--- a/figures/scratch.pptx
+++ b/figures/scratch.pptx
@@ -8,7 +8,8 @@
     <p:sldId id="259" r:id="rId2"/>
     <p:sldId id="260" r:id="rId3"/>
     <p:sldId id="256" r:id="rId4"/>
-    <p:sldId id="258" r:id="rId5"/>
+    <p:sldId id="261" r:id="rId5"/>
+    <p:sldId id="258" r:id="rId6"/>
   </p:sldIdLst>
   <p:sldSz cx="12192000" cy="6858000"/>
   <p:notesSz cx="6858000" cy="9144000"/>
@@ -115,6 +116,38 @@
 </p:presentation>
 </file>
 
+<file path=ppt/authors.xml><?xml version="1.0" encoding="utf-8"?>
+<p188:authorLst xmlns:a="http://schemas.openxmlformats.org/drawingml/2006/main" xmlns:r="http://schemas.openxmlformats.org/officeDocument/2006/relationships" xmlns:p188="http://schemas.microsoft.com/office/powerpoint/2018/8/main">
+  <p188:author id="{39C52500-A2D1-E40F-52F1-568940F98FAC}" name="Nweye, Kingsley" initials="NK" userId="S::kingsley.nweye@austin.utexas.edu::77889544-31cd-42ef-8923-e77c00e587a2" providerId="AD"/>
+</p188:authorLst>
+</file>
+
+<file path=ppt/comments/modernComment_105_F307EB89.xml><?xml version="1.0" encoding="utf-8"?>
+<p188:cmLst xmlns:a="http://schemas.openxmlformats.org/drawingml/2006/main" xmlns:r="http://schemas.openxmlformats.org/officeDocument/2006/relationships" xmlns:p188="http://schemas.microsoft.com/office/powerpoint/2018/8/main">
+  <p188:cm id="{6E7B1CA8-C494-084D-AA22-48973D618789}" authorId="{39C52500-A2D1-E40F-52F1-568940F98FAC}" created="2022-07-21T20:54:20.587">
+    <ac:txMkLst xmlns:ac="http://schemas.microsoft.com/office/drawing/2013/main/command">
+      <pc:docMk xmlns:pc="http://schemas.microsoft.com/office/powerpoint/2013/main/command"/>
+      <pc:sldMk xmlns:pc="http://schemas.microsoft.com/office/powerpoint/2013/main/command" cId="4077382537" sldId="261"/>
+      <ac:spMk id="20" creationId="{8D1ED17A-A81F-66BF-78DE-8AE117C796AF}"/>
+      <ac:txMk cp="84" len="60">
+        <ac:context len="145" hash="3687932062"/>
+      </ac:txMk>
+    </ac:txMkLst>
+    <p188:pos x="2338147" y="1341729"/>
+    <p188:txBody>
+      <a:bodyPr/>
+      <a:lstStyle/>
+      <a:p>
+        <a:r>
+          <a:rPr lang="en-US"/>
+          <a:t>deployment case study</a:t>
+        </a:r>
+      </a:p>
+    </p188:txBody>
+  </p188:cm>
+</p188:cmLst>
+</file>
+
 <file path=ppt/slideLayouts/slideLayout1.xml><?xml version="1.0" encoding="utf-8"?>
 <p:sldLayout xmlns:a="http://schemas.openxmlformats.org/drawingml/2006/main" xmlns:r="http://schemas.openxmlformats.org/officeDocument/2006/relationships" xmlns:p="http://schemas.openxmlformats.org/presentationml/2006/main" type="title" preserve="1">
   <p:cSld name="Title Slide">
@@ -262,7 +295,7 @@
           <a:p>
             <a:fld id="{5921CFB6-8B8E-BC45-B63B-4CA094D0414B}" type="datetimeFigureOut">
               <a:rPr lang="en-US" smtClean="0"/>
-              <a:t>7/19/22</a:t>
+              <a:t>7/21/22</a:t>
             </a:fld>
             <a:endParaRPr lang="en-US"/>
           </a:p>
@@ -460,7 +493,7 @@
           <a:p>
             <a:fld id="{5921CFB6-8B8E-BC45-B63B-4CA094D0414B}" type="datetimeFigureOut">
               <a:rPr lang="en-US" smtClean="0"/>
-              <a:t>7/19/22</a:t>
+              <a:t>7/21/22</a:t>
             </a:fld>
             <a:endParaRPr lang="en-US"/>
           </a:p>
@@ -668,7 +701,7 @@
           <a:p>
             <a:fld id="{5921CFB6-8B8E-BC45-B63B-4CA094D0414B}" type="datetimeFigureOut">
               <a:rPr lang="en-US" smtClean="0"/>
-              <a:t>7/19/22</a:t>
+              <a:t>7/21/22</a:t>
             </a:fld>
             <a:endParaRPr lang="en-US"/>
           </a:p>
@@ -866,7 +899,7 @@
           <a:p>
             <a:fld id="{5921CFB6-8B8E-BC45-B63B-4CA094D0414B}" type="datetimeFigureOut">
               <a:rPr lang="en-US" smtClean="0"/>
-              <a:t>7/19/22</a:t>
+              <a:t>7/21/22</a:t>
             </a:fld>
             <a:endParaRPr lang="en-US"/>
           </a:p>
@@ -1141,7 +1174,7 @@
           <a:p>
             <a:fld id="{5921CFB6-8B8E-BC45-B63B-4CA094D0414B}" type="datetimeFigureOut">
               <a:rPr lang="en-US" smtClean="0"/>
-              <a:t>7/19/22</a:t>
+              <a:t>7/21/22</a:t>
             </a:fld>
             <a:endParaRPr lang="en-US"/>
           </a:p>
@@ -1406,7 +1439,7 @@
           <a:p>
             <a:fld id="{5921CFB6-8B8E-BC45-B63B-4CA094D0414B}" type="datetimeFigureOut">
               <a:rPr lang="en-US" smtClean="0"/>
-              <a:t>7/19/22</a:t>
+              <a:t>7/21/22</a:t>
             </a:fld>
             <a:endParaRPr lang="en-US"/>
           </a:p>
@@ -1818,7 +1851,7 @@
           <a:p>
             <a:fld id="{5921CFB6-8B8E-BC45-B63B-4CA094D0414B}" type="datetimeFigureOut">
               <a:rPr lang="en-US" smtClean="0"/>
-              <a:t>7/19/22</a:t>
+              <a:t>7/21/22</a:t>
             </a:fld>
             <a:endParaRPr lang="en-US"/>
           </a:p>
@@ -1959,7 +1992,7 @@
           <a:p>
             <a:fld id="{5921CFB6-8B8E-BC45-B63B-4CA094D0414B}" type="datetimeFigureOut">
               <a:rPr lang="en-US" smtClean="0"/>
-              <a:t>7/19/22</a:t>
+              <a:t>7/21/22</a:t>
             </a:fld>
             <a:endParaRPr lang="en-US"/>
           </a:p>
@@ -2072,7 +2105,7 @@
           <a:p>
             <a:fld id="{5921CFB6-8B8E-BC45-B63B-4CA094D0414B}" type="datetimeFigureOut">
               <a:rPr lang="en-US" smtClean="0"/>
-              <a:t>7/19/22</a:t>
+              <a:t>7/21/22</a:t>
             </a:fld>
             <a:endParaRPr lang="en-US"/>
           </a:p>
@@ -2383,7 +2416,7 @@
           <a:p>
             <a:fld id="{5921CFB6-8B8E-BC45-B63B-4CA094D0414B}" type="datetimeFigureOut">
               <a:rPr lang="en-US" smtClean="0"/>
-              <a:t>7/19/22</a:t>
+              <a:t>7/21/22</a:t>
             </a:fld>
             <a:endParaRPr lang="en-US"/>
           </a:p>
@@ -2671,7 +2704,7 @@
           <a:p>
             <a:fld id="{5921CFB6-8B8E-BC45-B63B-4CA094D0414B}" type="datetimeFigureOut">
               <a:rPr lang="en-US" smtClean="0"/>
-              <a:t>7/19/22</a:t>
+              <a:t>7/21/22</a:t>
             </a:fld>
             <a:endParaRPr lang="en-US"/>
           </a:p>
@@ -2912,7 +2945,7 @@
           <a:p>
             <a:fld id="{5921CFB6-8B8E-BC45-B63B-4CA094D0414B}" type="datetimeFigureOut">
               <a:rPr lang="en-US" smtClean="0"/>
-              <a:t>7/19/22</a:t>
+              <a:t>7/21/22</a:t>
             </a:fld>
             <a:endParaRPr lang="en-US"/>
           </a:p>
@@ -8803,6 +8836,1228 @@
           <a:chExt cx="0" cy="0"/>
         </a:xfrm>
       </p:grpSpPr>
+      <p:grpSp>
+        <p:nvGrpSpPr>
+          <p:cNvPr id="7" name="Group 6">
+            <a:extLst>
+              <a:ext uri="{FF2B5EF4-FFF2-40B4-BE49-F238E27FC236}">
+                <a16:creationId xmlns:a16="http://schemas.microsoft.com/office/drawing/2014/main" id="{4AF870F5-7A56-5956-2B10-2345BAFBBCB8}"/>
+              </a:ext>
+            </a:extLst>
+          </p:cNvPr>
+          <p:cNvGrpSpPr/>
+          <p:nvPr/>
+        </p:nvGrpSpPr>
+        <p:grpSpPr>
+          <a:xfrm>
+            <a:off x="480060" y="514588"/>
+            <a:ext cx="1802113" cy="1279922"/>
+            <a:chOff x="411480" y="1063228"/>
+            <a:chExt cx="1802113" cy="1279922"/>
+          </a:xfrm>
+        </p:grpSpPr>
+        <p:sp>
+          <p:nvSpPr>
+            <p:cNvPr id="2" name="TextBox 1">
+              <a:extLst>
+                <a:ext uri="{FF2B5EF4-FFF2-40B4-BE49-F238E27FC236}">
+                  <a16:creationId xmlns:a16="http://schemas.microsoft.com/office/drawing/2014/main" id="{2D319CC4-AAFF-BF68-5750-EB9B3FF278E4}"/>
+                </a:ext>
+              </a:extLst>
+            </p:cNvPr>
+            <p:cNvSpPr txBox="1"/>
+            <p:nvPr/>
+          </p:nvSpPr>
+          <p:spPr>
+            <a:xfrm>
+              <a:off x="412844" y="1195357"/>
+              <a:ext cx="1800749" cy="1015663"/>
+            </a:xfrm>
+            <a:prstGeom prst="rect">
+              <a:avLst/>
+            </a:prstGeom>
+            <a:noFill/>
+          </p:spPr>
+          <p:txBody>
+            <a:bodyPr wrap="none" rtlCol="0">
+              <a:spAutoFit/>
+            </a:bodyPr>
+            <a:lstStyle/>
+            <a:p>
+              <a:pPr marL="285750" indent="-285750">
+                <a:buFont typeface="Wingdings" pitchFamily="2" charset="2"/>
+                <a:buChar char="§"/>
+              </a:pPr>
+              <a:r>
+                <a:rPr lang="en-US" sz="1200" dirty="0"/>
+                <a:t>Building  meters</a:t>
+              </a:r>
+            </a:p>
+            <a:p>
+              <a:pPr marL="285750" indent="-285750">
+                <a:buFont typeface="Wingdings" pitchFamily="2" charset="2"/>
+                <a:buChar char="§"/>
+              </a:pPr>
+              <a:r>
+                <a:rPr lang="en-US" sz="1200" dirty="0"/>
+                <a:t>Weather</a:t>
+              </a:r>
+            </a:p>
+            <a:p>
+              <a:pPr marL="285750" indent="-285750">
+                <a:buFont typeface="Wingdings" pitchFamily="2" charset="2"/>
+                <a:buChar char="§"/>
+              </a:pPr>
+              <a:r>
+                <a:rPr lang="en-US" sz="1200" dirty="0"/>
+                <a:t>Carbon intensity</a:t>
+              </a:r>
+            </a:p>
+            <a:p>
+              <a:pPr marL="285750" indent="-285750">
+                <a:buFont typeface="Wingdings" pitchFamily="2" charset="2"/>
+                <a:buChar char="§"/>
+              </a:pPr>
+              <a:r>
+                <a:rPr lang="en-US" sz="1200" dirty="0"/>
+                <a:t>Electricity rate</a:t>
+              </a:r>
+            </a:p>
+            <a:p>
+              <a:pPr marL="285750" indent="-285750">
+                <a:buFont typeface="Wingdings" pitchFamily="2" charset="2"/>
+                <a:buChar char="§"/>
+              </a:pPr>
+              <a:r>
+                <a:rPr lang="en-US" sz="1200" dirty="0"/>
+                <a:t>System specifications</a:t>
+              </a:r>
+            </a:p>
+          </p:txBody>
+        </p:sp>
+        <p:sp>
+          <p:nvSpPr>
+            <p:cNvPr id="4" name="Rounded Rectangle 3">
+              <a:extLst>
+                <a:ext uri="{FF2B5EF4-FFF2-40B4-BE49-F238E27FC236}">
+                  <a16:creationId xmlns:a16="http://schemas.microsoft.com/office/drawing/2014/main" id="{F46834B2-2897-0754-B010-995D2DF0715B}"/>
+                </a:ext>
+              </a:extLst>
+            </p:cNvPr>
+            <p:cNvSpPr/>
+            <p:nvPr/>
+          </p:nvSpPr>
+          <p:spPr>
+            <a:xfrm>
+              <a:off x="411480" y="1063228"/>
+              <a:ext cx="1802113" cy="1279922"/>
+            </a:xfrm>
+            <a:prstGeom prst="roundRect">
+              <a:avLst/>
+            </a:prstGeom>
+            <a:noFill/>
+            <a:ln>
+              <a:solidFill>
+                <a:schemeClr val="tx1"/>
+              </a:solidFill>
+            </a:ln>
+          </p:spPr>
+          <p:style>
+            <a:lnRef idx="2">
+              <a:schemeClr val="accent1">
+                <a:shade val="50000"/>
+              </a:schemeClr>
+            </a:lnRef>
+            <a:fillRef idx="1">
+              <a:schemeClr val="accent1"/>
+            </a:fillRef>
+            <a:effectRef idx="0">
+              <a:schemeClr val="accent1"/>
+            </a:effectRef>
+            <a:fontRef idx="minor">
+              <a:schemeClr val="lt1"/>
+            </a:fontRef>
+          </p:style>
+          <p:txBody>
+            <a:bodyPr rtlCol="0" anchor="ctr"/>
+            <a:lstStyle/>
+            <a:p>
+              <a:pPr algn="ctr"/>
+              <a:endParaRPr lang="en-US"/>
+            </a:p>
+          </p:txBody>
+        </p:sp>
+      </p:grpSp>
+      <p:grpSp>
+        <p:nvGrpSpPr>
+          <p:cNvPr id="8" name="Group 7">
+            <a:extLst>
+              <a:ext uri="{FF2B5EF4-FFF2-40B4-BE49-F238E27FC236}">
+                <a16:creationId xmlns:a16="http://schemas.microsoft.com/office/drawing/2014/main" id="{522CBBBE-7A25-15B8-C3E4-46A277DF1248}"/>
+              </a:ext>
+            </a:extLst>
+          </p:cNvPr>
+          <p:cNvGrpSpPr/>
+          <p:nvPr/>
+        </p:nvGrpSpPr>
+        <p:grpSpPr>
+          <a:xfrm>
+            <a:off x="2513410" y="356776"/>
+            <a:ext cx="2113468" cy="1435455"/>
+            <a:chOff x="392308" y="920773"/>
+            <a:chExt cx="2113468" cy="1295765"/>
+          </a:xfrm>
+        </p:grpSpPr>
+        <p:sp>
+          <p:nvSpPr>
+            <p:cNvPr id="9" name="TextBox 8">
+              <a:extLst>
+                <a:ext uri="{FF2B5EF4-FFF2-40B4-BE49-F238E27FC236}">
+                  <a16:creationId xmlns:a16="http://schemas.microsoft.com/office/drawing/2014/main" id="{245D4A6F-5E36-3D3B-E95C-B233F50BC013}"/>
+                </a:ext>
+              </a:extLst>
+            </p:cNvPr>
+            <p:cNvSpPr txBox="1"/>
+            <p:nvPr/>
+          </p:nvSpPr>
+          <p:spPr>
+            <a:xfrm>
+              <a:off x="392308" y="920773"/>
+              <a:ext cx="2113468" cy="1250216"/>
+            </a:xfrm>
+            <a:prstGeom prst="rect">
+              <a:avLst/>
+            </a:prstGeom>
+            <a:noFill/>
+          </p:spPr>
+          <p:txBody>
+            <a:bodyPr wrap="square" rtlCol="0">
+              <a:spAutoFit/>
+            </a:bodyPr>
+            <a:lstStyle/>
+            <a:p>
+              <a:pPr marL="285750" indent="-285750">
+                <a:buFont typeface="Wingdings" pitchFamily="2" charset="2"/>
+                <a:buChar char="§"/>
+              </a:pPr>
+              <a:endParaRPr lang="en-US" sz="1200" dirty="0"/>
+            </a:p>
+            <a:p>
+              <a:pPr marL="285750" indent="-285750">
+                <a:buFont typeface="Wingdings" pitchFamily="2" charset="2"/>
+                <a:buChar char="§"/>
+              </a:pPr>
+              <a:r>
+                <a:rPr lang="en-US" sz="1200" dirty="0"/>
+                <a:t>Building model</a:t>
+              </a:r>
+            </a:p>
+            <a:p>
+              <a:pPr marL="285750" indent="-285750">
+                <a:buFont typeface="Wingdings" pitchFamily="2" charset="2"/>
+                <a:buChar char="§"/>
+              </a:pPr>
+              <a:r>
+                <a:rPr lang="en-US" sz="1200" dirty="0"/>
+                <a:t>Battery model</a:t>
+              </a:r>
+            </a:p>
+            <a:p>
+              <a:pPr marL="285750" indent="-285750">
+                <a:buFont typeface="Wingdings" pitchFamily="2" charset="2"/>
+                <a:buChar char="§"/>
+              </a:pPr>
+              <a:r>
+                <a:rPr lang="en-US" sz="1200" dirty="0"/>
+                <a:t>PV model</a:t>
+              </a:r>
+            </a:p>
+            <a:p>
+              <a:pPr marL="285750" indent="-285750">
+                <a:buFont typeface="Wingdings" pitchFamily="2" charset="2"/>
+                <a:buChar char="§"/>
+              </a:pPr>
+              <a:r>
+                <a:rPr lang="en-US" sz="1200" dirty="0"/>
+                <a:t>RBC model</a:t>
+              </a:r>
+            </a:p>
+            <a:p>
+              <a:pPr marL="285750" indent="-285750">
+                <a:buFont typeface="Wingdings" pitchFamily="2" charset="2"/>
+                <a:buChar char="§"/>
+              </a:pPr>
+              <a:r>
+                <a:rPr lang="en-US" sz="1200" dirty="0"/>
+                <a:t>RL Agent</a:t>
+              </a:r>
+            </a:p>
+            <a:p>
+              <a:pPr marL="285750" indent="-285750">
+                <a:buFont typeface="Wingdings" pitchFamily="2" charset="2"/>
+                <a:buChar char="§"/>
+              </a:pPr>
+              <a:r>
+                <a:rPr lang="en-US" sz="1200" dirty="0"/>
+                <a:t>Decision Tree</a:t>
+              </a:r>
+            </a:p>
+          </p:txBody>
+        </p:sp>
+        <p:sp>
+          <p:nvSpPr>
+            <p:cNvPr id="10" name="Rounded Rectangle 9">
+              <a:extLst>
+                <a:ext uri="{FF2B5EF4-FFF2-40B4-BE49-F238E27FC236}">
+                  <a16:creationId xmlns:a16="http://schemas.microsoft.com/office/drawing/2014/main" id="{2450E21A-8E71-23CE-FE2D-65C3DDA951D5}"/>
+                </a:ext>
+              </a:extLst>
+            </p:cNvPr>
+            <p:cNvSpPr/>
+            <p:nvPr/>
+          </p:nvSpPr>
+          <p:spPr>
+            <a:xfrm>
+              <a:off x="411480" y="1063228"/>
+              <a:ext cx="1439212" cy="1153310"/>
+            </a:xfrm>
+            <a:prstGeom prst="roundRect">
+              <a:avLst/>
+            </a:prstGeom>
+            <a:noFill/>
+            <a:ln>
+              <a:solidFill>
+                <a:schemeClr val="tx1"/>
+              </a:solidFill>
+            </a:ln>
+          </p:spPr>
+          <p:style>
+            <a:lnRef idx="2">
+              <a:schemeClr val="accent1">
+                <a:shade val="50000"/>
+              </a:schemeClr>
+            </a:lnRef>
+            <a:fillRef idx="1">
+              <a:schemeClr val="accent1"/>
+            </a:fillRef>
+            <a:effectRef idx="0">
+              <a:schemeClr val="accent1"/>
+            </a:effectRef>
+            <a:fontRef idx="minor">
+              <a:schemeClr val="lt1"/>
+            </a:fontRef>
+          </p:style>
+          <p:txBody>
+            <a:bodyPr rtlCol="0" anchor="ctr"/>
+            <a:lstStyle/>
+            <a:p>
+              <a:pPr algn="ctr"/>
+              <a:endParaRPr lang="en-US"/>
+            </a:p>
+          </p:txBody>
+        </p:sp>
+      </p:grpSp>
+      <p:grpSp>
+        <p:nvGrpSpPr>
+          <p:cNvPr id="13" name="Group 12">
+            <a:extLst>
+              <a:ext uri="{FF2B5EF4-FFF2-40B4-BE49-F238E27FC236}">
+                <a16:creationId xmlns:a16="http://schemas.microsoft.com/office/drawing/2014/main" id="{814EF1FB-C8DF-F580-9290-0408CDD01819}"/>
+              </a:ext>
+            </a:extLst>
+          </p:cNvPr>
+          <p:cNvGrpSpPr/>
+          <p:nvPr/>
+        </p:nvGrpSpPr>
+        <p:grpSpPr>
+          <a:xfrm>
+            <a:off x="4222203" y="491548"/>
+            <a:ext cx="2210940" cy="1384995"/>
+            <a:chOff x="411480" y="1029026"/>
+            <a:chExt cx="2210940" cy="1384995"/>
+          </a:xfrm>
+        </p:grpSpPr>
+        <p:sp>
+          <p:nvSpPr>
+            <p:cNvPr id="15" name="TextBox 14">
+              <a:extLst>
+                <a:ext uri="{FF2B5EF4-FFF2-40B4-BE49-F238E27FC236}">
+                  <a16:creationId xmlns:a16="http://schemas.microsoft.com/office/drawing/2014/main" id="{64F9D9F2-0F15-AC42-8BB3-853A7507E251}"/>
+                </a:ext>
+              </a:extLst>
+            </p:cNvPr>
+            <p:cNvSpPr txBox="1"/>
+            <p:nvPr/>
+          </p:nvSpPr>
+          <p:spPr>
+            <a:xfrm>
+              <a:off x="418876" y="1029026"/>
+              <a:ext cx="2203544" cy="1384995"/>
+            </a:xfrm>
+            <a:prstGeom prst="rect">
+              <a:avLst/>
+            </a:prstGeom>
+            <a:noFill/>
+          </p:spPr>
+          <p:txBody>
+            <a:bodyPr wrap="square" rtlCol="0">
+              <a:spAutoFit/>
+            </a:bodyPr>
+            <a:lstStyle/>
+            <a:p>
+              <a:pPr marL="285750" indent="-285750">
+                <a:buFont typeface="Wingdings" pitchFamily="2" charset="2"/>
+                <a:buChar char="§"/>
+              </a:pPr>
+              <a:endParaRPr lang="en-US" sz="1200" dirty="0"/>
+            </a:p>
+            <a:p>
+              <a:pPr marL="285750" indent="-285750">
+                <a:buFont typeface="Wingdings" pitchFamily="2" charset="2"/>
+                <a:buChar char="§"/>
+              </a:pPr>
+              <a:r>
+                <a:rPr lang="en-US" sz="1200" dirty="0"/>
+                <a:t>Model Validation (Battery controller </a:t>
+              </a:r>
+              <a:r>
+                <a:rPr lang="en-US" sz="1200" dirty="0" err="1"/>
+                <a:t>referernce</a:t>
+              </a:r>
+              <a:r>
+                <a:rPr lang="en-US" sz="1200" dirty="0"/>
+                <a:t> model)</a:t>
+              </a:r>
+            </a:p>
+            <a:p>
+              <a:pPr marL="285750" indent="-285750">
+                <a:buFont typeface="Wingdings" pitchFamily="2" charset="2"/>
+                <a:buChar char="§"/>
+              </a:pPr>
+              <a:r>
+                <a:rPr lang="en-US" sz="1200" dirty="0"/>
+                <a:t>Reward Design</a:t>
+              </a:r>
+            </a:p>
+            <a:p>
+              <a:pPr marL="285750" indent="-285750">
+                <a:buFont typeface="Wingdings" pitchFamily="2" charset="2"/>
+                <a:buChar char="§"/>
+              </a:pPr>
+              <a:r>
+                <a:rPr lang="en-US" sz="1200" dirty="0"/>
+                <a:t>Hyperparameter Tuning</a:t>
+              </a:r>
+            </a:p>
+            <a:p>
+              <a:pPr marL="285750" indent="-285750">
+                <a:buFont typeface="Wingdings" pitchFamily="2" charset="2"/>
+                <a:buChar char="§"/>
+              </a:pPr>
+              <a:r>
+                <a:rPr lang="en-US" sz="1200" dirty="0"/>
+                <a:t>State Selection</a:t>
+              </a:r>
+            </a:p>
+          </p:txBody>
+        </p:sp>
+        <p:sp>
+          <p:nvSpPr>
+            <p:cNvPr id="17" name="Rounded Rectangle 16">
+              <a:extLst>
+                <a:ext uri="{FF2B5EF4-FFF2-40B4-BE49-F238E27FC236}">
+                  <a16:creationId xmlns:a16="http://schemas.microsoft.com/office/drawing/2014/main" id="{F66A2489-1BB6-64B6-CBA0-409B2785DDBC}"/>
+                </a:ext>
+              </a:extLst>
+            </p:cNvPr>
+            <p:cNvSpPr/>
+            <p:nvPr/>
+          </p:nvSpPr>
+          <p:spPr>
+            <a:xfrm>
+              <a:off x="411480" y="1063228"/>
+              <a:ext cx="2030007" cy="1268760"/>
+            </a:xfrm>
+            <a:prstGeom prst="roundRect">
+              <a:avLst/>
+            </a:prstGeom>
+            <a:noFill/>
+            <a:ln>
+              <a:solidFill>
+                <a:schemeClr val="tx1"/>
+              </a:solidFill>
+            </a:ln>
+          </p:spPr>
+          <p:style>
+            <a:lnRef idx="2">
+              <a:schemeClr val="accent1">
+                <a:shade val="50000"/>
+              </a:schemeClr>
+            </a:lnRef>
+            <a:fillRef idx="1">
+              <a:schemeClr val="accent1"/>
+            </a:fillRef>
+            <a:effectRef idx="0">
+              <a:schemeClr val="accent1"/>
+            </a:effectRef>
+            <a:fontRef idx="minor">
+              <a:schemeClr val="lt1"/>
+            </a:fontRef>
+          </p:style>
+          <p:txBody>
+            <a:bodyPr rtlCol="0" anchor="ctr"/>
+            <a:lstStyle/>
+            <a:p>
+              <a:pPr algn="ctr"/>
+              <a:endParaRPr lang="en-US"/>
+            </a:p>
+          </p:txBody>
+        </p:sp>
+      </p:grpSp>
+      <p:grpSp>
+        <p:nvGrpSpPr>
+          <p:cNvPr id="19" name="Group 18">
+            <a:extLst>
+              <a:ext uri="{FF2B5EF4-FFF2-40B4-BE49-F238E27FC236}">
+                <a16:creationId xmlns:a16="http://schemas.microsoft.com/office/drawing/2014/main" id="{2CD09992-B243-4E0E-8F2F-7A88B31113FC}"/>
+              </a:ext>
+            </a:extLst>
+          </p:cNvPr>
+          <p:cNvGrpSpPr/>
+          <p:nvPr/>
+        </p:nvGrpSpPr>
+        <p:grpSpPr>
+          <a:xfrm>
+            <a:off x="6508567" y="539126"/>
+            <a:ext cx="2498991" cy="1268760"/>
+            <a:chOff x="411480" y="1063228"/>
+            <a:chExt cx="2498991" cy="1268760"/>
+          </a:xfrm>
+        </p:grpSpPr>
+        <p:sp>
+          <p:nvSpPr>
+            <p:cNvPr id="20" name="TextBox 19">
+              <a:extLst>
+                <a:ext uri="{FF2B5EF4-FFF2-40B4-BE49-F238E27FC236}">
+                  <a16:creationId xmlns:a16="http://schemas.microsoft.com/office/drawing/2014/main" id="{8D1ED17A-A81F-66BF-78DE-8AE117C796AF}"/>
+                </a:ext>
+              </a:extLst>
+            </p:cNvPr>
+            <p:cNvSpPr txBox="1"/>
+            <p:nvPr/>
+          </p:nvSpPr>
+          <p:spPr>
+            <a:xfrm>
+              <a:off x="456518" y="1090001"/>
+              <a:ext cx="2453953" cy="1200329"/>
+            </a:xfrm>
+            <a:prstGeom prst="rect">
+              <a:avLst/>
+            </a:prstGeom>
+            <a:noFill/>
+          </p:spPr>
+          <p:txBody>
+            <a:bodyPr wrap="square" rtlCol="0">
+              <a:spAutoFit/>
+            </a:bodyPr>
+            <a:lstStyle/>
+            <a:p>
+              <a:pPr marL="285750" indent="-285750">
+                <a:buFont typeface="+mj-lt"/>
+                <a:buAutoNum type="arabicPeriod"/>
+              </a:pPr>
+              <a:endParaRPr lang="en-US" sz="1200" dirty="0"/>
+            </a:p>
+            <a:p>
+              <a:pPr marL="285750" indent="-285750">
+                <a:buFont typeface="+mj-lt"/>
+                <a:buAutoNum type="arabicPeriod"/>
+              </a:pPr>
+              <a:r>
+                <a:rPr lang="en-US" sz="1200" dirty="0"/>
+                <a:t>Building specific optimal policy</a:t>
+              </a:r>
+            </a:p>
+            <a:p>
+              <a:pPr marL="285750" indent="-285750">
+                <a:buFont typeface="+mj-lt"/>
+                <a:buAutoNum type="arabicPeriod"/>
+              </a:pPr>
+              <a:r>
+                <a:rPr lang="en-US" sz="1200" dirty="0"/>
+                <a:t>Transfer learning from limited spatial resolution</a:t>
+              </a:r>
+            </a:p>
+            <a:p>
+              <a:pPr marL="285750" indent="-285750">
+                <a:buFont typeface="+mj-lt"/>
+                <a:buAutoNum type="arabicPeriod"/>
+              </a:pPr>
+              <a:r>
+                <a:rPr lang="en-US" sz="1200" dirty="0"/>
+                <a:t>Transfer learning from limited temporal &amp; spatial resolution</a:t>
+              </a:r>
+            </a:p>
+          </p:txBody>
+        </p:sp>
+        <p:sp>
+          <p:nvSpPr>
+            <p:cNvPr id="21" name="Rounded Rectangle 20">
+              <a:extLst>
+                <a:ext uri="{FF2B5EF4-FFF2-40B4-BE49-F238E27FC236}">
+                  <a16:creationId xmlns:a16="http://schemas.microsoft.com/office/drawing/2014/main" id="{E590087F-F406-36BE-BE19-4AF266A7F6ED}"/>
+                </a:ext>
+              </a:extLst>
+            </p:cNvPr>
+            <p:cNvSpPr/>
+            <p:nvPr/>
+          </p:nvSpPr>
+          <p:spPr>
+            <a:xfrm>
+              <a:off x="411480" y="1063228"/>
+              <a:ext cx="2498991" cy="1268760"/>
+            </a:xfrm>
+            <a:prstGeom prst="roundRect">
+              <a:avLst/>
+            </a:prstGeom>
+            <a:noFill/>
+            <a:ln>
+              <a:solidFill>
+                <a:schemeClr val="tx1"/>
+              </a:solidFill>
+            </a:ln>
+          </p:spPr>
+          <p:style>
+            <a:lnRef idx="2">
+              <a:schemeClr val="accent1">
+                <a:shade val="50000"/>
+              </a:schemeClr>
+            </a:lnRef>
+            <a:fillRef idx="1">
+              <a:schemeClr val="accent1"/>
+            </a:fillRef>
+            <a:effectRef idx="0">
+              <a:schemeClr val="accent1"/>
+            </a:effectRef>
+            <a:fontRef idx="minor">
+              <a:schemeClr val="lt1"/>
+            </a:fontRef>
+          </p:style>
+          <p:txBody>
+            <a:bodyPr rtlCol="0" anchor="ctr"/>
+            <a:lstStyle/>
+            <a:p>
+              <a:pPr algn="ctr"/>
+              <a:endParaRPr lang="en-US"/>
+            </a:p>
+          </p:txBody>
+        </p:sp>
+      </p:grpSp>
+      <p:grpSp>
+        <p:nvGrpSpPr>
+          <p:cNvPr id="22" name="Group 21">
+            <a:extLst>
+              <a:ext uri="{FF2B5EF4-FFF2-40B4-BE49-F238E27FC236}">
+                <a16:creationId xmlns:a16="http://schemas.microsoft.com/office/drawing/2014/main" id="{79C89B9D-1B20-21A5-D924-40AA8CE3FD89}"/>
+              </a:ext>
+            </a:extLst>
+          </p:cNvPr>
+          <p:cNvGrpSpPr/>
+          <p:nvPr/>
+        </p:nvGrpSpPr>
+        <p:grpSpPr>
+          <a:xfrm>
+            <a:off x="9263915" y="497377"/>
+            <a:ext cx="1996718" cy="1294854"/>
+            <a:chOff x="411480" y="1032834"/>
+            <a:chExt cx="1996718" cy="1294854"/>
+          </a:xfrm>
+        </p:grpSpPr>
+        <p:sp>
+          <p:nvSpPr>
+            <p:cNvPr id="23" name="TextBox 22">
+              <a:extLst>
+                <a:ext uri="{FF2B5EF4-FFF2-40B4-BE49-F238E27FC236}">
+                  <a16:creationId xmlns:a16="http://schemas.microsoft.com/office/drawing/2014/main" id="{1CD36E5F-2193-D439-EE8C-ABEB3E1E1744}"/>
+                </a:ext>
+              </a:extLst>
+            </p:cNvPr>
+            <p:cNvSpPr txBox="1"/>
+            <p:nvPr/>
+          </p:nvSpPr>
+          <p:spPr>
+            <a:xfrm>
+              <a:off x="468267" y="1032834"/>
+              <a:ext cx="1939931" cy="1200329"/>
+            </a:xfrm>
+            <a:prstGeom prst="rect">
+              <a:avLst/>
+            </a:prstGeom>
+            <a:noFill/>
+          </p:spPr>
+          <p:txBody>
+            <a:bodyPr wrap="square" rtlCol="0">
+              <a:spAutoFit/>
+            </a:bodyPr>
+            <a:lstStyle/>
+            <a:p>
+              <a:pPr marL="285750" indent="-285750">
+                <a:buFont typeface="+mj-lt"/>
+                <a:buAutoNum type="arabicPeriod"/>
+              </a:pPr>
+              <a:endParaRPr lang="en-US" sz="1200" dirty="0"/>
+            </a:p>
+            <a:p>
+              <a:pPr marL="285750" indent="-285750">
+                <a:buFont typeface="+mj-lt"/>
+                <a:buAutoNum type="arabicPeriod"/>
+              </a:pPr>
+              <a:r>
+                <a:rPr lang="en-US" sz="1200" dirty="0"/>
+                <a:t>Comparison to baseline control</a:t>
+              </a:r>
+            </a:p>
+            <a:p>
+              <a:pPr marL="285750" indent="-285750">
+                <a:buFont typeface="+mj-lt"/>
+                <a:buAutoNum type="arabicPeriod"/>
+              </a:pPr>
+              <a:r>
+                <a:rPr lang="en-US" sz="1200" dirty="0"/>
+                <a:t>Transfer Learning quality</a:t>
+              </a:r>
+            </a:p>
+            <a:p>
+              <a:pPr marL="285750" indent="-285750">
+                <a:buFont typeface="+mj-lt"/>
+                <a:buAutoNum type="arabicPeriod"/>
+              </a:pPr>
+              <a:r>
+                <a:rPr lang="en-US" sz="1200" dirty="0"/>
+                <a:t>Policy Rule extraction</a:t>
+              </a:r>
+            </a:p>
+          </p:txBody>
+        </p:sp>
+        <p:sp>
+          <p:nvSpPr>
+            <p:cNvPr id="24" name="Rounded Rectangle 23">
+              <a:extLst>
+                <a:ext uri="{FF2B5EF4-FFF2-40B4-BE49-F238E27FC236}">
+                  <a16:creationId xmlns:a16="http://schemas.microsoft.com/office/drawing/2014/main" id="{B888DBF7-31A7-19A3-9296-00CBE0782EE4}"/>
+                </a:ext>
+              </a:extLst>
+            </p:cNvPr>
+            <p:cNvSpPr/>
+            <p:nvPr/>
+          </p:nvSpPr>
+          <p:spPr>
+            <a:xfrm>
+              <a:off x="411480" y="1063228"/>
+              <a:ext cx="1984969" cy="1264460"/>
+            </a:xfrm>
+            <a:prstGeom prst="roundRect">
+              <a:avLst/>
+            </a:prstGeom>
+            <a:noFill/>
+            <a:ln>
+              <a:solidFill>
+                <a:schemeClr val="tx1"/>
+              </a:solidFill>
+            </a:ln>
+          </p:spPr>
+          <p:style>
+            <a:lnRef idx="2">
+              <a:schemeClr val="accent1">
+                <a:shade val="50000"/>
+              </a:schemeClr>
+            </a:lnRef>
+            <a:fillRef idx="1">
+              <a:schemeClr val="accent1"/>
+            </a:fillRef>
+            <a:effectRef idx="0">
+              <a:schemeClr val="accent1"/>
+            </a:effectRef>
+            <a:fontRef idx="minor">
+              <a:schemeClr val="lt1"/>
+            </a:fontRef>
+          </p:style>
+          <p:txBody>
+            <a:bodyPr rtlCol="0" anchor="ctr"/>
+            <a:lstStyle/>
+            <a:p>
+              <a:pPr algn="ctr"/>
+              <a:endParaRPr lang="en-US"/>
+            </a:p>
+          </p:txBody>
+        </p:sp>
+      </p:grpSp>
+      <p:sp>
+        <p:nvSpPr>
+          <p:cNvPr id="25" name="TextBox 24">
+            <a:extLst>
+              <a:ext uri="{FF2B5EF4-FFF2-40B4-BE49-F238E27FC236}">
+                <a16:creationId xmlns:a16="http://schemas.microsoft.com/office/drawing/2014/main" id="{9657A278-D5AE-0431-0C83-667D22F34AD3}"/>
+              </a:ext>
+            </a:extLst>
+          </p:cNvPr>
+          <p:cNvSpPr txBox="1"/>
+          <p:nvPr/>
+        </p:nvSpPr>
+        <p:spPr>
+          <a:xfrm>
+            <a:off x="721416" y="202888"/>
+            <a:ext cx="1319400" cy="307777"/>
+          </a:xfrm>
+          <a:prstGeom prst="rect">
+            <a:avLst/>
+          </a:prstGeom>
+          <a:noFill/>
+        </p:spPr>
+        <p:txBody>
+          <a:bodyPr wrap="none" rtlCol="0">
+            <a:spAutoFit/>
+          </a:bodyPr>
+          <a:lstStyle/>
+          <a:p>
+            <a:r>
+              <a:rPr lang="en-US" sz="1400" b="1" dirty="0"/>
+              <a:t>Data Collection</a:t>
+            </a:r>
+          </a:p>
+        </p:txBody>
+      </p:sp>
+      <p:sp>
+        <p:nvSpPr>
+          <p:cNvPr id="26" name="TextBox 25">
+            <a:extLst>
+              <a:ext uri="{FF2B5EF4-FFF2-40B4-BE49-F238E27FC236}">
+                <a16:creationId xmlns:a16="http://schemas.microsoft.com/office/drawing/2014/main" id="{1A4F35FA-BCD1-9AE4-A431-FE3B014BC825}"/>
+              </a:ext>
+            </a:extLst>
+          </p:cNvPr>
+          <p:cNvSpPr txBox="1"/>
+          <p:nvPr/>
+        </p:nvSpPr>
+        <p:spPr>
+          <a:xfrm>
+            <a:off x="2520022" y="202889"/>
+            <a:ext cx="1409360" cy="307777"/>
+          </a:xfrm>
+          <a:prstGeom prst="rect">
+            <a:avLst/>
+          </a:prstGeom>
+          <a:noFill/>
+        </p:spPr>
+        <p:txBody>
+          <a:bodyPr wrap="none" rtlCol="0">
+            <a:spAutoFit/>
+          </a:bodyPr>
+          <a:lstStyle/>
+          <a:p>
+            <a:r>
+              <a:rPr lang="en-US" sz="1400" b="1" dirty="0" err="1"/>
+              <a:t>CityLearn</a:t>
+            </a:r>
+            <a:r>
+              <a:rPr lang="en-US" sz="1400" b="1" dirty="0"/>
+              <a:t> Model</a:t>
+            </a:r>
+          </a:p>
+        </p:txBody>
+      </p:sp>
+      <p:sp>
+        <p:nvSpPr>
+          <p:cNvPr id="27" name="TextBox 26">
+            <a:extLst>
+              <a:ext uri="{FF2B5EF4-FFF2-40B4-BE49-F238E27FC236}">
+                <a16:creationId xmlns:a16="http://schemas.microsoft.com/office/drawing/2014/main" id="{485BBC98-44E8-7F2B-3A20-834CAFA1E5E8}"/>
+              </a:ext>
+            </a:extLst>
+          </p:cNvPr>
+          <p:cNvSpPr txBox="1"/>
+          <p:nvPr/>
+        </p:nvSpPr>
+        <p:spPr>
+          <a:xfrm>
+            <a:off x="4204213" y="202888"/>
+            <a:ext cx="2047997" cy="307777"/>
+          </a:xfrm>
+          <a:prstGeom prst="rect">
+            <a:avLst/>
+          </a:prstGeom>
+          <a:noFill/>
+        </p:spPr>
+        <p:txBody>
+          <a:bodyPr wrap="none" rtlCol="0">
+            <a:spAutoFit/>
+          </a:bodyPr>
+          <a:lstStyle/>
+          <a:p>
+            <a:r>
+              <a:rPr lang="en-US" sz="1400" b="1" dirty="0"/>
+              <a:t>Preliminary Investigation</a:t>
+            </a:r>
+          </a:p>
+        </p:txBody>
+      </p:sp>
+      <p:sp>
+        <p:nvSpPr>
+          <p:cNvPr id="28" name="TextBox 27">
+            <a:extLst>
+              <a:ext uri="{FF2B5EF4-FFF2-40B4-BE49-F238E27FC236}">
+                <a16:creationId xmlns:a16="http://schemas.microsoft.com/office/drawing/2014/main" id="{9A31561C-565A-FCC5-EFBB-8B86BFD62790}"/>
+              </a:ext>
+            </a:extLst>
+          </p:cNvPr>
+          <p:cNvSpPr txBox="1"/>
+          <p:nvPr/>
+        </p:nvSpPr>
+        <p:spPr>
+          <a:xfrm>
+            <a:off x="7067212" y="206607"/>
+            <a:ext cx="1426737" cy="307777"/>
+          </a:xfrm>
+          <a:prstGeom prst="rect">
+            <a:avLst/>
+          </a:prstGeom>
+          <a:noFill/>
+        </p:spPr>
+        <p:txBody>
+          <a:bodyPr wrap="none" rtlCol="0">
+            <a:spAutoFit/>
+          </a:bodyPr>
+          <a:lstStyle/>
+          <a:p>
+            <a:r>
+              <a:rPr lang="en-US" sz="1400" b="1" dirty="0"/>
+              <a:t>Experimentation</a:t>
+            </a:r>
+          </a:p>
+        </p:txBody>
+      </p:sp>
+      <p:sp>
+        <p:nvSpPr>
+          <p:cNvPr id="29" name="TextBox 28">
+            <a:extLst>
+              <a:ext uri="{FF2B5EF4-FFF2-40B4-BE49-F238E27FC236}">
+                <a16:creationId xmlns:a16="http://schemas.microsoft.com/office/drawing/2014/main" id="{CE2B3B22-79F3-61D4-406B-303ACE6AC3E8}"/>
+              </a:ext>
+            </a:extLst>
+          </p:cNvPr>
+          <p:cNvSpPr txBox="1"/>
+          <p:nvPr/>
+        </p:nvSpPr>
+        <p:spPr>
+          <a:xfrm>
+            <a:off x="9880988" y="206607"/>
+            <a:ext cx="795859" cy="307777"/>
+          </a:xfrm>
+          <a:prstGeom prst="rect">
+            <a:avLst/>
+          </a:prstGeom>
+          <a:noFill/>
+        </p:spPr>
+        <p:txBody>
+          <a:bodyPr wrap="none" rtlCol="0">
+            <a:spAutoFit/>
+          </a:bodyPr>
+          <a:lstStyle/>
+          <a:p>
+            <a:r>
+              <a:rPr lang="en-US" sz="1400" b="1" dirty="0"/>
+              <a:t>Analysis</a:t>
+            </a:r>
+          </a:p>
+        </p:txBody>
+      </p:sp>
+      <p:cxnSp>
+        <p:nvCxnSpPr>
+          <p:cNvPr id="31" name="Straight Arrow Connector 30">
+            <a:extLst>
+              <a:ext uri="{FF2B5EF4-FFF2-40B4-BE49-F238E27FC236}">
+                <a16:creationId xmlns:a16="http://schemas.microsoft.com/office/drawing/2014/main" id="{A1F75AD9-72E1-03C3-3CB4-833D4961CC47}"/>
+              </a:ext>
+            </a:extLst>
+          </p:cNvPr>
+          <p:cNvCxnSpPr>
+            <a:stCxn id="4" idx="3"/>
+          </p:cNvCxnSpPr>
+          <p:nvPr/>
+        </p:nvCxnSpPr>
+        <p:spPr>
+          <a:xfrm>
+            <a:off x="2282173" y="1154549"/>
+            <a:ext cx="250409" cy="1861"/>
+          </a:xfrm>
+          <a:prstGeom prst="straightConnector1">
+            <a:avLst/>
+          </a:prstGeom>
+          <a:ln w="28575">
+            <a:solidFill>
+              <a:schemeClr val="tx1"/>
+            </a:solidFill>
+            <a:tailEnd type="triangle"/>
+          </a:ln>
+        </p:spPr>
+        <p:style>
+          <a:lnRef idx="1">
+            <a:schemeClr val="accent1"/>
+          </a:lnRef>
+          <a:fillRef idx="0">
+            <a:schemeClr val="accent1"/>
+          </a:fillRef>
+          <a:effectRef idx="0">
+            <a:schemeClr val="accent1"/>
+          </a:effectRef>
+          <a:fontRef idx="minor">
+            <a:schemeClr val="tx1"/>
+          </a:fontRef>
+        </p:style>
+      </p:cxnSp>
+      <p:cxnSp>
+        <p:nvCxnSpPr>
+          <p:cNvPr id="32" name="Straight Arrow Connector 31">
+            <a:extLst>
+              <a:ext uri="{FF2B5EF4-FFF2-40B4-BE49-F238E27FC236}">
+                <a16:creationId xmlns:a16="http://schemas.microsoft.com/office/drawing/2014/main" id="{12B481AB-0C40-A594-1BA2-123EF3D74C06}"/>
+              </a:ext>
+            </a:extLst>
+          </p:cNvPr>
+          <p:cNvCxnSpPr>
+            <a:cxnSpLocks/>
+          </p:cNvCxnSpPr>
+          <p:nvPr/>
+        </p:nvCxnSpPr>
+        <p:spPr>
+          <a:xfrm>
+            <a:off x="3957717" y="1155479"/>
+            <a:ext cx="250409" cy="1861"/>
+          </a:xfrm>
+          <a:prstGeom prst="straightConnector1">
+            <a:avLst/>
+          </a:prstGeom>
+          <a:ln w="28575">
+            <a:solidFill>
+              <a:schemeClr val="tx1"/>
+            </a:solidFill>
+            <a:tailEnd type="triangle"/>
+          </a:ln>
+        </p:spPr>
+        <p:style>
+          <a:lnRef idx="1">
+            <a:schemeClr val="accent1"/>
+          </a:lnRef>
+          <a:fillRef idx="0">
+            <a:schemeClr val="accent1"/>
+          </a:fillRef>
+          <a:effectRef idx="0">
+            <a:schemeClr val="accent1"/>
+          </a:effectRef>
+          <a:fontRef idx="minor">
+            <a:schemeClr val="tx1"/>
+          </a:fontRef>
+        </p:style>
+      </p:cxnSp>
+      <p:cxnSp>
+        <p:nvCxnSpPr>
+          <p:cNvPr id="36" name="Straight Arrow Connector 35">
+            <a:extLst>
+              <a:ext uri="{FF2B5EF4-FFF2-40B4-BE49-F238E27FC236}">
+                <a16:creationId xmlns:a16="http://schemas.microsoft.com/office/drawing/2014/main" id="{5E650656-54C7-37A9-6F43-C26D448555EB}"/>
+              </a:ext>
+            </a:extLst>
+          </p:cNvPr>
+          <p:cNvCxnSpPr/>
+          <p:nvPr/>
+        </p:nvCxnSpPr>
+        <p:spPr>
+          <a:xfrm>
+            <a:off x="6239521" y="1147106"/>
+            <a:ext cx="250409" cy="1861"/>
+          </a:xfrm>
+          <a:prstGeom prst="straightConnector1">
+            <a:avLst/>
+          </a:prstGeom>
+          <a:ln w="28575">
+            <a:solidFill>
+              <a:schemeClr val="tx1"/>
+            </a:solidFill>
+            <a:tailEnd type="triangle"/>
+          </a:ln>
+        </p:spPr>
+        <p:style>
+          <a:lnRef idx="1">
+            <a:schemeClr val="accent1"/>
+          </a:lnRef>
+          <a:fillRef idx="0">
+            <a:schemeClr val="accent1"/>
+          </a:fillRef>
+          <a:effectRef idx="0">
+            <a:schemeClr val="accent1"/>
+          </a:effectRef>
+          <a:fontRef idx="minor">
+            <a:schemeClr val="tx1"/>
+          </a:fontRef>
+        </p:style>
+      </p:cxnSp>
+      <p:cxnSp>
+        <p:nvCxnSpPr>
+          <p:cNvPr id="37" name="Straight Arrow Connector 36">
+            <a:extLst>
+              <a:ext uri="{FF2B5EF4-FFF2-40B4-BE49-F238E27FC236}">
+                <a16:creationId xmlns:a16="http://schemas.microsoft.com/office/drawing/2014/main" id="{D6E7EE17-B590-5C90-6CDF-6A25882863C8}"/>
+              </a:ext>
+            </a:extLst>
+          </p:cNvPr>
+          <p:cNvCxnSpPr/>
+          <p:nvPr/>
+        </p:nvCxnSpPr>
+        <p:spPr>
+          <a:xfrm>
+            <a:off x="9013358" y="1166063"/>
+            <a:ext cx="250409" cy="1861"/>
+          </a:xfrm>
+          <a:prstGeom prst="straightConnector1">
+            <a:avLst/>
+          </a:prstGeom>
+          <a:ln w="28575">
+            <a:solidFill>
+              <a:schemeClr val="tx1"/>
+            </a:solidFill>
+            <a:tailEnd type="triangle"/>
+          </a:ln>
+        </p:spPr>
+        <p:style>
+          <a:lnRef idx="1">
+            <a:schemeClr val="accent1"/>
+          </a:lnRef>
+          <a:fillRef idx="0">
+            <a:schemeClr val="accent1"/>
+          </a:fillRef>
+          <a:effectRef idx="0">
+            <a:schemeClr val="accent1"/>
+          </a:effectRef>
+          <a:fontRef idx="minor">
+            <a:schemeClr val="tx1"/>
+          </a:fontRef>
+        </p:style>
+      </p:cxnSp>
+      <p:sp>
+        <p:nvSpPr>
+          <p:cNvPr id="38" name="TextBox 37">
+            <a:extLst>
+              <a:ext uri="{FF2B5EF4-FFF2-40B4-BE49-F238E27FC236}">
+                <a16:creationId xmlns:a16="http://schemas.microsoft.com/office/drawing/2014/main" id="{33AA30B3-695D-60BC-AEA8-61E6EC2F5419}"/>
+              </a:ext>
+            </a:extLst>
+          </p:cNvPr>
+          <p:cNvSpPr txBox="1"/>
+          <p:nvPr/>
+        </p:nvSpPr>
+        <p:spPr>
+          <a:xfrm>
+            <a:off x="555420" y="2121161"/>
+            <a:ext cx="13285817" cy="1477328"/>
+          </a:xfrm>
+          <a:prstGeom prst="rect">
+            <a:avLst/>
+          </a:prstGeom>
+          <a:noFill/>
+        </p:spPr>
+        <p:txBody>
+          <a:bodyPr wrap="none" rtlCol="0">
+            <a:spAutoFit/>
+          </a:bodyPr>
+          <a:lstStyle/>
+          <a:p>
+            <a:r>
+              <a:rPr lang="en-US" dirty="0"/>
+              <a:t>For each experiment, extract decision tree and compare to RL policy</a:t>
+            </a:r>
+          </a:p>
+          <a:p>
+            <a:pPr marL="285750" indent="-285750">
+              <a:buFontTx/>
+              <a:buChar char="-"/>
+            </a:pPr>
+            <a:r>
+              <a:rPr lang="en-US" dirty="0"/>
+              <a:t>Comparing RL solution to 3 ` baselines` - no-storage, RBC, and decision tree</a:t>
+            </a:r>
+          </a:p>
+          <a:p>
+            <a:pPr marL="285750" indent="-285750">
+              <a:buFontTx/>
+              <a:buChar char="-"/>
+            </a:pPr>
+            <a:endParaRPr lang="en-US" dirty="0"/>
+          </a:p>
+          <a:p>
+            <a:pPr marL="285750" indent="-285750">
+              <a:buFontTx/>
+              <a:buChar char="-"/>
+            </a:pPr>
+            <a:r>
+              <a:rPr lang="en-US" dirty="0"/>
+              <a:t>Decision trees are comparable to SOO in buildings that can be easily deployed in BAS or HEMS</a:t>
+            </a:r>
+          </a:p>
+          <a:p>
+            <a:pPr marL="285750" indent="-285750">
+              <a:buFontTx/>
+              <a:buChar char="-"/>
+            </a:pPr>
+            <a:r>
+              <a:rPr lang="en-US" dirty="0"/>
+              <a:t>We have taken smart meter data -&gt; virtual model -&gt; discover optimal control using RL -&gt; extract simplified control model -&gt; </a:t>
+            </a:r>
+            <a:r>
+              <a:rPr lang="en-US" dirty="0" err="1"/>
+              <a:t>deply</a:t>
+            </a:r>
+            <a:r>
+              <a:rPr lang="en-US" dirty="0"/>
+              <a:t> in HEMS</a:t>
+            </a:r>
+          </a:p>
+        </p:txBody>
+      </p:sp>
+    </p:spTree>
+    <p:extLst>
+      <p:ext uri="{BB962C8B-B14F-4D97-AF65-F5344CB8AC3E}">
+        <p14:creationId xmlns:p14="http://schemas.microsoft.com/office/powerpoint/2010/main" val="4077382537"/>
+      </p:ext>
+    </p:extLst>
+  </p:cSld>
+  <p:clrMapOvr>
+    <a:masterClrMapping/>
+  </p:clrMapOvr>
+  <p:extLst>
+    <p:ext uri="{6950BFC3-D8DA-4A85-94F7-54DA5524770B}">
+      <p188:commentRel xmlns:p188="http://schemas.microsoft.com/office/powerpoint/2018/8/main" r:id="rId2"/>
+    </p:ext>
+  </p:extLst>
+</p:sld>
+</file>
+
+<file path=ppt/slides/slide5.xml><?xml version="1.0" encoding="utf-8"?>
+<p:sld xmlns:a="http://schemas.openxmlformats.org/drawingml/2006/main" xmlns:r="http://schemas.openxmlformats.org/officeDocument/2006/relationships" xmlns:p="http://schemas.openxmlformats.org/presentationml/2006/main">
+  <p:cSld>
+    <p:spTree>
+      <p:nvGrpSpPr>
+        <p:cNvPr id="1" name=""/>
+        <p:cNvGrpSpPr/>
+        <p:nvPr/>
+      </p:nvGrpSpPr>
+      <p:grpSpPr>
+        <a:xfrm>
+          <a:off x="0" y="0"/>
+          <a:ext cx="0" cy="0"/>
+          <a:chOff x="0" y="0"/>
+          <a:chExt cx="0" cy="0"/>
+        </a:xfrm>
+      </p:grpSpPr>
       <p:pic>
         <p:nvPicPr>
           <p:cNvPr id="7" name="Picture 6">

--- a/figures/scratch.pptx
+++ b/figures/scratch.pptx
@@ -7,7 +7,9 @@
   <p:sldIdLst>
     <p:sldId id="261" r:id="rId2"/>
     <p:sldId id="262" r:id="rId3"/>
-    <p:sldId id="258" r:id="rId4"/>
+    <p:sldId id="263" r:id="rId4"/>
+    <p:sldId id="264" r:id="rId5"/>
+    <p:sldId id="258" r:id="rId6"/>
   </p:sldIdLst>
   <p:sldSz cx="12192000" cy="6858000"/>
   <p:notesSz cx="6858000" cy="9144000"/>
@@ -292,7 +294,7 @@
           <a:p>
             <a:fld id="{5921CFB6-8B8E-BC45-B63B-4CA094D0414B}" type="datetimeFigureOut">
               <a:rPr lang="en-US" smtClean="0"/>
-              <a:t>8/1/22</a:t>
+              <a:t>12/21/22</a:t>
             </a:fld>
             <a:endParaRPr lang="en-US"/>
           </a:p>
@@ -490,7 +492,7 @@
           <a:p>
             <a:fld id="{5921CFB6-8B8E-BC45-B63B-4CA094D0414B}" type="datetimeFigureOut">
               <a:rPr lang="en-US" smtClean="0"/>
-              <a:t>8/1/22</a:t>
+              <a:t>12/21/22</a:t>
             </a:fld>
             <a:endParaRPr lang="en-US"/>
           </a:p>
@@ -698,7 +700,7 @@
           <a:p>
             <a:fld id="{5921CFB6-8B8E-BC45-B63B-4CA094D0414B}" type="datetimeFigureOut">
               <a:rPr lang="en-US" smtClean="0"/>
-              <a:t>8/1/22</a:t>
+              <a:t>12/21/22</a:t>
             </a:fld>
             <a:endParaRPr lang="en-US"/>
           </a:p>
@@ -896,7 +898,7 @@
           <a:p>
             <a:fld id="{5921CFB6-8B8E-BC45-B63B-4CA094D0414B}" type="datetimeFigureOut">
               <a:rPr lang="en-US" smtClean="0"/>
-              <a:t>8/1/22</a:t>
+              <a:t>12/21/22</a:t>
             </a:fld>
             <a:endParaRPr lang="en-US"/>
           </a:p>
@@ -1171,7 +1173,7 @@
           <a:p>
             <a:fld id="{5921CFB6-8B8E-BC45-B63B-4CA094D0414B}" type="datetimeFigureOut">
               <a:rPr lang="en-US" smtClean="0"/>
-              <a:t>8/1/22</a:t>
+              <a:t>12/21/22</a:t>
             </a:fld>
             <a:endParaRPr lang="en-US"/>
           </a:p>
@@ -1436,7 +1438,7 @@
           <a:p>
             <a:fld id="{5921CFB6-8B8E-BC45-B63B-4CA094D0414B}" type="datetimeFigureOut">
               <a:rPr lang="en-US" smtClean="0"/>
-              <a:t>8/1/22</a:t>
+              <a:t>12/21/22</a:t>
             </a:fld>
             <a:endParaRPr lang="en-US"/>
           </a:p>
@@ -1848,7 +1850,7 @@
           <a:p>
             <a:fld id="{5921CFB6-8B8E-BC45-B63B-4CA094D0414B}" type="datetimeFigureOut">
               <a:rPr lang="en-US" smtClean="0"/>
-              <a:t>8/1/22</a:t>
+              <a:t>12/21/22</a:t>
             </a:fld>
             <a:endParaRPr lang="en-US"/>
           </a:p>
@@ -1989,7 +1991,7 @@
           <a:p>
             <a:fld id="{5921CFB6-8B8E-BC45-B63B-4CA094D0414B}" type="datetimeFigureOut">
               <a:rPr lang="en-US" smtClean="0"/>
-              <a:t>8/1/22</a:t>
+              <a:t>12/21/22</a:t>
             </a:fld>
             <a:endParaRPr lang="en-US"/>
           </a:p>
@@ -2102,7 +2104,7 @@
           <a:p>
             <a:fld id="{5921CFB6-8B8E-BC45-B63B-4CA094D0414B}" type="datetimeFigureOut">
               <a:rPr lang="en-US" smtClean="0"/>
-              <a:t>8/1/22</a:t>
+              <a:t>12/21/22</a:t>
             </a:fld>
             <a:endParaRPr lang="en-US"/>
           </a:p>
@@ -2413,7 +2415,7 @@
           <a:p>
             <a:fld id="{5921CFB6-8B8E-BC45-B63B-4CA094D0414B}" type="datetimeFigureOut">
               <a:rPr lang="en-US" smtClean="0"/>
-              <a:t>8/1/22</a:t>
+              <a:t>12/21/22</a:t>
             </a:fld>
             <a:endParaRPr lang="en-US"/>
           </a:p>
@@ -2701,7 +2703,7 @@
           <a:p>
             <a:fld id="{5921CFB6-8B8E-BC45-B63B-4CA094D0414B}" type="datetimeFigureOut">
               <a:rPr lang="en-US" smtClean="0"/>
-              <a:t>8/1/22</a:t>
+              <a:t>12/21/22</a:t>
             </a:fld>
             <a:endParaRPr lang="en-US"/>
           </a:p>
@@ -2942,7 +2944,7 @@
           <a:p>
             <a:fld id="{5921CFB6-8B8E-BC45-B63B-4CA094D0414B}" type="datetimeFigureOut">
               <a:rPr lang="en-US" smtClean="0"/>
-              <a:t>8/1/22</a:t>
+              <a:t>12/21/22</a:t>
             </a:fld>
             <a:endParaRPr lang="en-US"/>
           </a:p>
@@ -4407,7 +4409,7 @@
         </p:nvCxnSpPr>
         <p:spPr>
           <a:xfrm>
-            <a:off x="11179138" y="1917676"/>
+            <a:off x="9832938" y="1920757"/>
             <a:ext cx="0" cy="522730"/>
           </a:xfrm>
           <a:prstGeom prst="straightConnector1">
@@ -4453,7 +4455,7 @@
         <p:spPr>
           <a:xfrm flipH="1">
             <a:off x="743485" y="2440406"/>
-            <a:ext cx="10435653" cy="0"/>
+            <a:ext cx="9089453" cy="0"/>
           </a:xfrm>
           <a:prstGeom prst="straightConnector1">
             <a:avLst/>
@@ -5055,7 +5057,7 @@
         <p:spPr>
           <a:xfrm>
             <a:off x="3129913" y="538233"/>
-            <a:ext cx="8730780" cy="1719634"/>
+            <a:ext cx="7273634" cy="1719634"/>
           </a:xfrm>
           <a:prstGeom prst="roundRect">
             <a:avLst/>
@@ -5142,140 +5144,6 @@
           </a:p>
         </p:txBody>
       </p:sp>
-      <p:sp>
-        <p:nvSpPr>
-          <p:cNvPr id="192" name="Rounded Rectangle 191">
-            <a:extLst>
-              <a:ext uri="{FF2B5EF4-FFF2-40B4-BE49-F238E27FC236}">
-                <a16:creationId xmlns:a16="http://schemas.microsoft.com/office/drawing/2014/main" id="{18DD32A5-C814-D3D5-C697-8C812CC97FC2}"/>
-              </a:ext>
-            </a:extLst>
-          </p:cNvPr>
-          <p:cNvSpPr/>
-          <p:nvPr/>
-        </p:nvSpPr>
-        <p:spPr>
-          <a:xfrm>
-            <a:off x="10586790" y="778549"/>
-            <a:ext cx="1088373" cy="1139126"/>
-          </a:xfrm>
-          <a:prstGeom prst="roundRect">
-            <a:avLst/>
-          </a:prstGeom>
-          <a:noFill/>
-          <a:ln w="19050">
-            <a:solidFill>
-              <a:schemeClr val="tx1"/>
-            </a:solidFill>
-          </a:ln>
-        </p:spPr>
-        <p:style>
-          <a:lnRef idx="2">
-            <a:schemeClr val="accent1">
-              <a:shade val="50000"/>
-            </a:schemeClr>
-          </a:lnRef>
-          <a:fillRef idx="1">
-            <a:schemeClr val="accent1"/>
-          </a:fillRef>
-          <a:effectRef idx="0">
-            <a:schemeClr val="accent1"/>
-          </a:effectRef>
-          <a:fontRef idx="minor">
-            <a:schemeClr val="lt1"/>
-          </a:fontRef>
-        </p:style>
-        <p:txBody>
-          <a:bodyPr rtlCol="0" anchor="ctr"/>
-          <a:lstStyle/>
-          <a:p>
-            <a:pPr algn="ctr"/>
-            <a:r>
-              <a:rPr lang="en-US" sz="1400" b="1" dirty="0">
-                <a:solidFill>
-                  <a:schemeClr val="tx1"/>
-                </a:solidFill>
-              </a:rPr>
-              <a:t>Sequence</a:t>
-            </a:r>
-            <a:br>
-              <a:rPr lang="en-US" sz="1400" b="1" dirty="0">
-                <a:solidFill>
-                  <a:schemeClr val="tx1"/>
-                </a:solidFill>
-              </a:rPr>
-            </a:br>
-            <a:r>
-              <a:rPr lang="en-US" sz="1400" b="1" dirty="0">
-                <a:solidFill>
-                  <a:schemeClr val="tx1"/>
-                </a:solidFill>
-              </a:rPr>
-              <a:t>of</a:t>
-            </a:r>
-            <a:br>
-              <a:rPr lang="en-US" sz="1400" b="1" dirty="0">
-                <a:solidFill>
-                  <a:schemeClr val="tx1"/>
-                </a:solidFill>
-              </a:rPr>
-            </a:br>
-            <a:r>
-              <a:rPr lang="en-US" sz="1400" b="1" dirty="0">
-                <a:solidFill>
-                  <a:schemeClr val="tx1"/>
-                </a:solidFill>
-              </a:rPr>
-              <a:t>Operation</a:t>
-            </a:r>
-          </a:p>
-        </p:txBody>
-      </p:sp>
-      <p:cxnSp>
-        <p:nvCxnSpPr>
-          <p:cNvPr id="193" name="Straight Arrow Connector 192">
-            <a:extLst>
-              <a:ext uri="{FF2B5EF4-FFF2-40B4-BE49-F238E27FC236}">
-                <a16:creationId xmlns:a16="http://schemas.microsoft.com/office/drawing/2014/main" id="{179242EE-3523-297A-5529-E4C265CCF544}"/>
-              </a:ext>
-            </a:extLst>
-          </p:cNvPr>
-          <p:cNvCxnSpPr>
-            <a:cxnSpLocks/>
-          </p:cNvCxnSpPr>
-          <p:nvPr/>
-        </p:nvCxnSpPr>
-        <p:spPr>
-          <a:xfrm flipV="1">
-            <a:off x="10279169" y="1353833"/>
-            <a:ext cx="303614" cy="1912"/>
-          </a:xfrm>
-          <a:prstGeom prst="straightConnector1">
-            <a:avLst/>
-          </a:prstGeom>
-          <a:ln w="19050">
-            <a:solidFill>
-              <a:schemeClr val="tx1"/>
-            </a:solidFill>
-            <a:headEnd w="lg" len="med"/>
-            <a:tailEnd type="triangle" w="lg" len="med"/>
-          </a:ln>
-        </p:spPr>
-        <p:style>
-          <a:lnRef idx="1">
-            <a:schemeClr val="accent1"/>
-          </a:lnRef>
-          <a:fillRef idx="0">
-            <a:schemeClr val="accent1"/>
-          </a:fillRef>
-          <a:effectRef idx="0">
-            <a:schemeClr val="accent1"/>
-          </a:effectRef>
-          <a:fontRef idx="minor">
-            <a:schemeClr val="tx1"/>
-          </a:fontRef>
-        </p:style>
-      </p:cxnSp>
     </p:spTree>
     <p:extLst>
       <p:ext uri="{BB962C8B-B14F-4D97-AF65-F5344CB8AC3E}">
@@ -8279,7 +8147,7 @@
         <p:spPr>
           <a:xfrm>
             <a:off x="5059464" y="1201477"/>
-            <a:ext cx="508474" cy="230832"/>
+            <a:ext cx="508473" cy="369332"/>
           </a:xfrm>
           <a:prstGeom prst="rect">
             <a:avLst/>
@@ -8295,6 +8163,13 @@
             <a:pPr algn="ctr"/>
             <a:r>
               <a:rPr lang="en-US" sz="900" b="1" dirty="0"/>
+              <a:t>Target</a:t>
+            </a:r>
+            <a:br>
+              <a:rPr lang="en-US" sz="900" b="1" dirty="0"/>
+            </a:br>
+            <a:r>
+              <a:rPr lang="en-US" sz="900" b="1" dirty="0"/>
               <a:t>Bldg. 1</a:t>
             </a:r>
           </a:p>
@@ -8315,7 +8190,7 @@
         <p:spPr>
           <a:xfrm>
             <a:off x="6080582" y="1201477"/>
-            <a:ext cx="508474" cy="230832"/>
+            <a:ext cx="508473" cy="369332"/>
           </a:xfrm>
           <a:prstGeom prst="rect">
             <a:avLst/>
@@ -8331,6 +8206,13 @@
             <a:pPr algn="ctr"/>
             <a:r>
               <a:rPr lang="en-US" sz="900" b="1" dirty="0"/>
+              <a:t>Target</a:t>
+            </a:r>
+            <a:br>
+              <a:rPr lang="en-US" sz="900" b="1" dirty="0"/>
+            </a:br>
+            <a:r>
+              <a:rPr lang="en-US" sz="900" b="1" dirty="0"/>
               <a:t>Bldg. 2</a:t>
             </a:r>
           </a:p>
@@ -8350,8 +8232,8 @@
         </p:nvSpPr>
         <p:spPr>
           <a:xfrm>
-            <a:off x="7124857" y="1197026"/>
-            <a:ext cx="508474" cy="230832"/>
+            <a:off x="7117645" y="1197026"/>
+            <a:ext cx="522899" cy="369332"/>
           </a:xfrm>
           <a:prstGeom prst="rect">
             <a:avLst/>
@@ -8367,6 +8249,13 @@
             <a:pPr algn="ctr"/>
             <a:r>
               <a:rPr lang="en-US" sz="900" b="1" dirty="0"/>
+              <a:t>Target</a:t>
+            </a:r>
+            <a:br>
+              <a:rPr lang="en-US" sz="900" b="1" dirty="0"/>
+            </a:br>
+            <a:r>
+              <a:rPr lang="en-US" sz="900" b="1" dirty="0"/>
               <a:t>Bldg. 3</a:t>
             </a:r>
           </a:p>
@@ -8387,7 +8276,7 @@
         <p:spPr>
           <a:xfrm>
             <a:off x="8361334" y="1194831"/>
-            <a:ext cx="508474" cy="230832"/>
+            <a:ext cx="508473" cy="369332"/>
           </a:xfrm>
           <a:prstGeom prst="rect">
             <a:avLst/>
@@ -8401,6 +8290,21 @@
           <a:lstStyle/>
           <a:p>
             <a:pPr algn="ctr"/>
+            <a:r>
+              <a:rPr lang="en-US" sz="900" b="1" dirty="0">
+                <a:solidFill>
+                  <a:srgbClr val="B35723"/>
+                </a:solidFill>
+              </a:rPr>
+              <a:t>Source</a:t>
+            </a:r>
+            <a:br>
+              <a:rPr lang="en-US" sz="900" b="1" dirty="0">
+                <a:solidFill>
+                  <a:srgbClr val="B35723"/>
+                </a:solidFill>
+              </a:rPr>
+            </a:br>
             <a:r>
               <a:rPr lang="en-US" sz="900" b="1" dirty="0">
                 <a:solidFill>
@@ -8604,6 +8508,36 @@
           </a:fontRef>
         </p:style>
       </p:cxnSp>
+      <p:pic>
+        <p:nvPicPr>
+          <p:cNvPr id="2" name="Picture 1">
+            <a:extLst>
+              <a:ext uri="{FF2B5EF4-FFF2-40B4-BE49-F238E27FC236}">
+                <a16:creationId xmlns:a16="http://schemas.microsoft.com/office/drawing/2014/main" id="{6FF68D43-E9BB-142D-A575-3D6F0DAEE5AD}"/>
+              </a:ext>
+            </a:extLst>
+          </p:cNvPr>
+          <p:cNvPicPr>
+            <a:picLocks noChangeAspect="1"/>
+          </p:cNvPicPr>
+          <p:nvPr/>
+        </p:nvPicPr>
+        <p:blipFill>
+          <a:blip r:embed="rId4"/>
+          <a:stretch>
+            <a:fillRect/>
+          </a:stretch>
+        </p:blipFill>
+        <p:spPr>
+          <a:xfrm>
+            <a:off x="3769609" y="3982180"/>
+            <a:ext cx="4394200" cy="2324100"/>
+          </a:xfrm>
+          <a:prstGeom prst="rect">
+            <a:avLst/>
+          </a:prstGeom>
+        </p:spPr>
+      </p:pic>
     </p:spTree>
     <p:extLst>
       <p:ext uri="{BB962C8B-B14F-4D97-AF65-F5344CB8AC3E}">
@@ -8618,6 +8552,1439 @@
 </file>
 
 <file path=ppt/slides/slide3.xml><?xml version="1.0" encoding="utf-8"?>
+<p:sld xmlns:a="http://schemas.openxmlformats.org/drawingml/2006/main" xmlns:r="http://schemas.openxmlformats.org/officeDocument/2006/relationships" xmlns:p="http://schemas.openxmlformats.org/presentationml/2006/main">
+  <p:cSld>
+    <p:spTree>
+      <p:nvGrpSpPr>
+        <p:cNvPr id="1" name=""/>
+        <p:cNvGrpSpPr/>
+        <p:nvPr/>
+      </p:nvGrpSpPr>
+      <p:grpSpPr>
+        <a:xfrm>
+          <a:off x="0" y="0"/>
+          <a:ext cx="0" cy="0"/>
+          <a:chOff x="0" y="0"/>
+          <a:chExt cx="0" cy="0"/>
+        </a:xfrm>
+      </p:grpSpPr>
+      <p:pic>
+        <p:nvPicPr>
+          <p:cNvPr id="66" name="Picture 65">
+            <a:extLst>
+              <a:ext uri="{FF2B5EF4-FFF2-40B4-BE49-F238E27FC236}">
+                <a16:creationId xmlns:a16="http://schemas.microsoft.com/office/drawing/2014/main" id="{9FD2DCA2-FE57-DA3B-B32F-A0666D6B1727}"/>
+              </a:ext>
+            </a:extLst>
+          </p:cNvPr>
+          <p:cNvPicPr>
+            <a:picLocks noChangeAspect="1"/>
+          </p:cNvPicPr>
+          <p:nvPr/>
+        </p:nvPicPr>
+        <p:blipFill>
+          <a:blip r:embed="rId2"/>
+          <a:stretch>
+            <a:fillRect/>
+          </a:stretch>
+        </p:blipFill>
+        <p:spPr>
+          <a:xfrm>
+            <a:off x="2759455" y="257474"/>
+            <a:ext cx="7772400" cy="2811696"/>
+          </a:xfrm>
+          <a:prstGeom prst="rect">
+            <a:avLst/>
+          </a:prstGeom>
+        </p:spPr>
+      </p:pic>
+      <p:sp>
+        <p:nvSpPr>
+          <p:cNvPr id="128" name="TextBox 127">
+            <a:extLst>
+              <a:ext uri="{FF2B5EF4-FFF2-40B4-BE49-F238E27FC236}">
+                <a16:creationId xmlns:a16="http://schemas.microsoft.com/office/drawing/2014/main" id="{70AACED2-E25C-6531-19EF-197B0E165C1D}"/>
+              </a:ext>
+            </a:extLst>
+          </p:cNvPr>
+          <p:cNvSpPr txBox="1"/>
+          <p:nvPr/>
+        </p:nvSpPr>
+        <p:spPr>
+          <a:xfrm>
+            <a:off x="7415561" y="-624468"/>
+            <a:ext cx="184731" cy="369332"/>
+          </a:xfrm>
+          <a:prstGeom prst="rect">
+            <a:avLst/>
+          </a:prstGeom>
+          <a:noFill/>
+        </p:spPr>
+        <p:txBody>
+          <a:bodyPr wrap="none" rtlCol="0">
+            <a:spAutoFit/>
+          </a:bodyPr>
+          <a:lstStyle/>
+          <a:p>
+            <a:endParaRPr lang="en-US" dirty="0"/>
+          </a:p>
+        </p:txBody>
+      </p:sp>
+      <p:pic>
+        <p:nvPicPr>
+          <p:cNvPr id="82" name="Picture 81" descr="Shape&#10;&#10;Description automatically generated with low confidence">
+            <a:extLst>
+              <a:ext uri="{FF2B5EF4-FFF2-40B4-BE49-F238E27FC236}">
+                <a16:creationId xmlns:a16="http://schemas.microsoft.com/office/drawing/2014/main" id="{127D265E-7A0E-4364-A23F-BC9DB3D103C2}"/>
+              </a:ext>
+            </a:extLst>
+          </p:cNvPr>
+          <p:cNvPicPr>
+            <a:picLocks noChangeAspect="1"/>
+          </p:cNvPicPr>
+          <p:nvPr/>
+        </p:nvPicPr>
+        <p:blipFill>
+          <a:blip r:embed="rId3">
+            <a:duotone>
+              <a:schemeClr val="accent2">
+                <a:shade val="45000"/>
+                <a:satMod val="135000"/>
+              </a:schemeClr>
+              <a:prstClr val="white"/>
+            </a:duotone>
+          </a:blip>
+          <a:stretch>
+            <a:fillRect/>
+          </a:stretch>
+        </p:blipFill>
+        <p:spPr>
+          <a:xfrm>
+            <a:off x="2223704" y="199441"/>
+            <a:ext cx="438035" cy="438035"/>
+          </a:xfrm>
+          <a:prstGeom prst="rect">
+            <a:avLst/>
+          </a:prstGeom>
+        </p:spPr>
+      </p:pic>
+      <p:grpSp>
+        <p:nvGrpSpPr>
+          <p:cNvPr id="3" name="Group 2">
+            <a:extLst>
+              <a:ext uri="{FF2B5EF4-FFF2-40B4-BE49-F238E27FC236}">
+                <a16:creationId xmlns:a16="http://schemas.microsoft.com/office/drawing/2014/main" id="{E2D3400E-33B6-10D0-9CE6-4DFA59B34E61}"/>
+              </a:ext>
+            </a:extLst>
+          </p:cNvPr>
+          <p:cNvGrpSpPr>
+            <a:grpSpLocks noChangeAspect="1"/>
+          </p:cNvGrpSpPr>
+          <p:nvPr/>
+        </p:nvGrpSpPr>
+        <p:grpSpPr>
+          <a:xfrm>
+            <a:off x="2197360" y="1679224"/>
+            <a:ext cx="438035" cy="438035"/>
+            <a:chOff x="4076118" y="-75195"/>
+            <a:chExt cx="995854" cy="995854"/>
+          </a:xfrm>
+        </p:grpSpPr>
+        <p:sp>
+          <p:nvSpPr>
+            <p:cNvPr id="4" name="Rectangle 3">
+              <a:extLst>
+                <a:ext uri="{FF2B5EF4-FFF2-40B4-BE49-F238E27FC236}">
+                  <a16:creationId xmlns:a16="http://schemas.microsoft.com/office/drawing/2014/main" id="{C610FFB6-6A74-D847-7489-10EB4E7E2D0A}"/>
+                </a:ext>
+              </a:extLst>
+            </p:cNvPr>
+            <p:cNvSpPr/>
+            <p:nvPr/>
+          </p:nvSpPr>
+          <p:spPr>
+            <a:xfrm>
+              <a:off x="4633937" y="580735"/>
+              <a:ext cx="235103" cy="164307"/>
+            </a:xfrm>
+            <a:prstGeom prst="rect">
+              <a:avLst/>
+            </a:prstGeom>
+            <a:solidFill>
+              <a:srgbClr val="00B050"/>
+            </a:solidFill>
+          </p:spPr>
+          <p:style>
+            <a:lnRef idx="2">
+              <a:schemeClr val="accent1">
+                <a:shade val="50000"/>
+              </a:schemeClr>
+            </a:lnRef>
+            <a:fillRef idx="1">
+              <a:schemeClr val="accent1"/>
+            </a:fillRef>
+            <a:effectRef idx="0">
+              <a:schemeClr val="accent1"/>
+            </a:effectRef>
+            <a:fontRef idx="minor">
+              <a:schemeClr val="lt1"/>
+            </a:fontRef>
+          </p:style>
+          <p:txBody>
+            <a:bodyPr rtlCol="0" anchor="ctr"/>
+            <a:lstStyle/>
+            <a:p>
+              <a:pPr algn="ctr"/>
+              <a:endParaRPr lang="en-US"/>
+            </a:p>
+          </p:txBody>
+        </p:sp>
+        <p:pic>
+          <p:nvPicPr>
+            <p:cNvPr id="5" name="Picture 4" descr="Shape&#10;&#10;Description automatically generated with low confidence">
+              <a:extLst>
+                <a:ext uri="{FF2B5EF4-FFF2-40B4-BE49-F238E27FC236}">
+                  <a16:creationId xmlns:a16="http://schemas.microsoft.com/office/drawing/2014/main" id="{8BAEFA50-8DF5-42E3-BADE-B41315284B24}"/>
+                </a:ext>
+              </a:extLst>
+            </p:cNvPr>
+            <p:cNvPicPr>
+              <a:picLocks noChangeAspect="1"/>
+            </p:cNvPicPr>
+            <p:nvPr/>
+          </p:nvPicPr>
+          <p:blipFill>
+            <a:blip r:embed="rId3">
+              <a:grayscl/>
+            </a:blip>
+            <a:stretch>
+              <a:fillRect/>
+            </a:stretch>
+          </p:blipFill>
+          <p:spPr>
+            <a:xfrm>
+              <a:off x="4076118" y="-75195"/>
+              <a:ext cx="995854" cy="995854"/>
+            </a:xfrm>
+            <a:prstGeom prst="rect">
+              <a:avLst/>
+            </a:prstGeom>
+          </p:spPr>
+        </p:pic>
+      </p:grpSp>
+      <p:grpSp>
+        <p:nvGrpSpPr>
+          <p:cNvPr id="9" name="Group 8">
+            <a:extLst>
+              <a:ext uri="{FF2B5EF4-FFF2-40B4-BE49-F238E27FC236}">
+                <a16:creationId xmlns:a16="http://schemas.microsoft.com/office/drawing/2014/main" id="{3FE3F9CF-EAD1-F1D2-7D8D-D8B855EE1E40}"/>
+              </a:ext>
+            </a:extLst>
+          </p:cNvPr>
+          <p:cNvGrpSpPr>
+            <a:grpSpLocks noChangeAspect="1"/>
+          </p:cNvGrpSpPr>
+          <p:nvPr/>
+        </p:nvGrpSpPr>
+        <p:grpSpPr>
+          <a:xfrm>
+            <a:off x="2205074" y="1185963"/>
+            <a:ext cx="438035" cy="438035"/>
+            <a:chOff x="4076118" y="-75195"/>
+            <a:chExt cx="995854" cy="995854"/>
+          </a:xfrm>
+        </p:grpSpPr>
+        <p:sp>
+          <p:nvSpPr>
+            <p:cNvPr id="10" name="Rectangle 9">
+              <a:extLst>
+                <a:ext uri="{FF2B5EF4-FFF2-40B4-BE49-F238E27FC236}">
+                  <a16:creationId xmlns:a16="http://schemas.microsoft.com/office/drawing/2014/main" id="{0061634B-C337-AE3B-249F-54E013E81699}"/>
+                </a:ext>
+              </a:extLst>
+            </p:cNvPr>
+            <p:cNvSpPr/>
+            <p:nvPr/>
+          </p:nvSpPr>
+          <p:spPr>
+            <a:xfrm>
+              <a:off x="4633937" y="580735"/>
+              <a:ext cx="235103" cy="164307"/>
+            </a:xfrm>
+            <a:prstGeom prst="rect">
+              <a:avLst/>
+            </a:prstGeom>
+            <a:solidFill>
+              <a:srgbClr val="00B050"/>
+            </a:solidFill>
+          </p:spPr>
+          <p:style>
+            <a:lnRef idx="2">
+              <a:schemeClr val="accent1">
+                <a:shade val="50000"/>
+              </a:schemeClr>
+            </a:lnRef>
+            <a:fillRef idx="1">
+              <a:schemeClr val="accent1"/>
+            </a:fillRef>
+            <a:effectRef idx="0">
+              <a:schemeClr val="accent1"/>
+            </a:effectRef>
+            <a:fontRef idx="minor">
+              <a:schemeClr val="lt1"/>
+            </a:fontRef>
+          </p:style>
+          <p:txBody>
+            <a:bodyPr rtlCol="0" anchor="ctr"/>
+            <a:lstStyle/>
+            <a:p>
+              <a:pPr algn="ctr"/>
+              <a:endParaRPr lang="en-US"/>
+            </a:p>
+          </p:txBody>
+        </p:sp>
+        <p:pic>
+          <p:nvPicPr>
+            <p:cNvPr id="11" name="Picture 10" descr="Shape&#10;&#10;Description automatically generated with low confidence">
+              <a:extLst>
+                <a:ext uri="{FF2B5EF4-FFF2-40B4-BE49-F238E27FC236}">
+                  <a16:creationId xmlns:a16="http://schemas.microsoft.com/office/drawing/2014/main" id="{050F1C10-56A4-D733-38B8-BF42D5D9DE59}"/>
+                </a:ext>
+              </a:extLst>
+            </p:cNvPr>
+            <p:cNvPicPr>
+              <a:picLocks noChangeAspect="1"/>
+            </p:cNvPicPr>
+            <p:nvPr/>
+          </p:nvPicPr>
+          <p:blipFill>
+            <a:blip r:embed="rId3">
+              <a:grayscl/>
+            </a:blip>
+            <a:stretch>
+              <a:fillRect/>
+            </a:stretch>
+          </p:blipFill>
+          <p:spPr>
+            <a:xfrm>
+              <a:off x="4076118" y="-75195"/>
+              <a:ext cx="995854" cy="995854"/>
+            </a:xfrm>
+            <a:prstGeom prst="rect">
+              <a:avLst/>
+            </a:prstGeom>
+          </p:spPr>
+        </p:pic>
+      </p:grpSp>
+      <p:grpSp>
+        <p:nvGrpSpPr>
+          <p:cNvPr id="12" name="Group 11">
+            <a:extLst>
+              <a:ext uri="{FF2B5EF4-FFF2-40B4-BE49-F238E27FC236}">
+                <a16:creationId xmlns:a16="http://schemas.microsoft.com/office/drawing/2014/main" id="{D544AB81-3C15-B8BA-E5F6-E03702C67C13}"/>
+              </a:ext>
+            </a:extLst>
+          </p:cNvPr>
+          <p:cNvGrpSpPr>
+            <a:grpSpLocks noChangeAspect="1"/>
+          </p:cNvGrpSpPr>
+          <p:nvPr/>
+        </p:nvGrpSpPr>
+        <p:grpSpPr>
+          <a:xfrm>
+            <a:off x="2211284" y="692702"/>
+            <a:ext cx="438035" cy="438035"/>
+            <a:chOff x="4076118" y="-75195"/>
+            <a:chExt cx="995854" cy="995854"/>
+          </a:xfrm>
+        </p:grpSpPr>
+        <p:sp>
+          <p:nvSpPr>
+            <p:cNvPr id="15" name="Rectangle 14">
+              <a:extLst>
+                <a:ext uri="{FF2B5EF4-FFF2-40B4-BE49-F238E27FC236}">
+                  <a16:creationId xmlns:a16="http://schemas.microsoft.com/office/drawing/2014/main" id="{272633EB-4B33-8F8D-7727-54731A07AA08}"/>
+                </a:ext>
+              </a:extLst>
+            </p:cNvPr>
+            <p:cNvSpPr/>
+            <p:nvPr/>
+          </p:nvSpPr>
+          <p:spPr>
+            <a:xfrm>
+              <a:off x="4633937" y="580735"/>
+              <a:ext cx="235103" cy="164307"/>
+            </a:xfrm>
+            <a:prstGeom prst="rect">
+              <a:avLst/>
+            </a:prstGeom>
+            <a:solidFill>
+              <a:srgbClr val="00B050"/>
+            </a:solidFill>
+          </p:spPr>
+          <p:style>
+            <a:lnRef idx="2">
+              <a:schemeClr val="accent1">
+                <a:shade val="50000"/>
+              </a:schemeClr>
+            </a:lnRef>
+            <a:fillRef idx="1">
+              <a:schemeClr val="accent1"/>
+            </a:fillRef>
+            <a:effectRef idx="0">
+              <a:schemeClr val="accent1"/>
+            </a:effectRef>
+            <a:fontRef idx="minor">
+              <a:schemeClr val="lt1"/>
+            </a:fontRef>
+          </p:style>
+          <p:txBody>
+            <a:bodyPr rtlCol="0" anchor="ctr"/>
+            <a:lstStyle/>
+            <a:p>
+              <a:pPr algn="ctr"/>
+              <a:endParaRPr lang="en-US"/>
+            </a:p>
+          </p:txBody>
+        </p:sp>
+        <p:pic>
+          <p:nvPicPr>
+            <p:cNvPr id="16" name="Picture 15" descr="Shape&#10;&#10;Description automatically generated with low confidence">
+              <a:extLst>
+                <a:ext uri="{FF2B5EF4-FFF2-40B4-BE49-F238E27FC236}">
+                  <a16:creationId xmlns:a16="http://schemas.microsoft.com/office/drawing/2014/main" id="{CC2573E5-D086-DF88-3BE5-852E516ED536}"/>
+                </a:ext>
+              </a:extLst>
+            </p:cNvPr>
+            <p:cNvPicPr>
+              <a:picLocks noChangeAspect="1"/>
+            </p:cNvPicPr>
+            <p:nvPr/>
+          </p:nvPicPr>
+          <p:blipFill>
+            <a:blip r:embed="rId3">
+              <a:grayscl/>
+            </a:blip>
+            <a:stretch>
+              <a:fillRect/>
+            </a:stretch>
+          </p:blipFill>
+          <p:spPr>
+            <a:xfrm>
+              <a:off x="4076118" y="-75195"/>
+              <a:ext cx="995854" cy="995854"/>
+            </a:xfrm>
+            <a:prstGeom prst="rect">
+              <a:avLst/>
+            </a:prstGeom>
+          </p:spPr>
+        </p:pic>
+      </p:grpSp>
+      <p:cxnSp>
+        <p:nvCxnSpPr>
+          <p:cNvPr id="22" name="Straight Connector 21">
+            <a:extLst>
+              <a:ext uri="{FF2B5EF4-FFF2-40B4-BE49-F238E27FC236}">
+                <a16:creationId xmlns:a16="http://schemas.microsoft.com/office/drawing/2014/main" id="{E4971527-84E6-EA24-2AEF-9D91DE49D5D6}"/>
+              </a:ext>
+            </a:extLst>
+          </p:cNvPr>
+          <p:cNvCxnSpPr>
+            <a:cxnSpLocks/>
+          </p:cNvCxnSpPr>
+          <p:nvPr/>
+        </p:nvCxnSpPr>
+        <p:spPr>
+          <a:xfrm>
+            <a:off x="2098623" y="527788"/>
+            <a:ext cx="0" cy="1502118"/>
+          </a:xfrm>
+          <a:prstGeom prst="line">
+            <a:avLst/>
+          </a:prstGeom>
+          <a:ln w="19050"/>
+        </p:spPr>
+        <p:style>
+          <a:lnRef idx="1">
+            <a:schemeClr val="dk1"/>
+          </a:lnRef>
+          <a:fillRef idx="0">
+            <a:schemeClr val="dk1"/>
+          </a:fillRef>
+          <a:effectRef idx="0">
+            <a:schemeClr val="dk1"/>
+          </a:effectRef>
+          <a:fontRef idx="minor">
+            <a:schemeClr val="tx1"/>
+          </a:fontRef>
+        </p:style>
+      </p:cxnSp>
+      <p:cxnSp>
+        <p:nvCxnSpPr>
+          <p:cNvPr id="23" name="Straight Connector 22">
+            <a:extLst>
+              <a:ext uri="{FF2B5EF4-FFF2-40B4-BE49-F238E27FC236}">
+                <a16:creationId xmlns:a16="http://schemas.microsoft.com/office/drawing/2014/main" id="{42156929-EE93-A5AA-3FE9-1F9A2C974002}"/>
+              </a:ext>
+            </a:extLst>
+          </p:cNvPr>
+          <p:cNvCxnSpPr>
+            <a:cxnSpLocks/>
+          </p:cNvCxnSpPr>
+          <p:nvPr/>
+        </p:nvCxnSpPr>
+        <p:spPr>
+          <a:xfrm flipH="1">
+            <a:off x="2635395" y="527788"/>
+            <a:ext cx="248708" cy="0"/>
+          </a:xfrm>
+          <a:prstGeom prst="line">
+            <a:avLst/>
+          </a:prstGeom>
+          <a:ln w="19050">
+            <a:solidFill>
+              <a:srgbClr val="B35723"/>
+            </a:solidFill>
+            <a:headEnd type="none" w="med" len="med"/>
+            <a:tailEnd type="none" w="med" len="med"/>
+          </a:ln>
+        </p:spPr>
+        <p:style>
+          <a:lnRef idx="1">
+            <a:schemeClr val="accent2"/>
+          </a:lnRef>
+          <a:fillRef idx="0">
+            <a:schemeClr val="accent2"/>
+          </a:fillRef>
+          <a:effectRef idx="0">
+            <a:schemeClr val="accent2"/>
+          </a:effectRef>
+          <a:fontRef idx="minor">
+            <a:schemeClr val="tx1"/>
+          </a:fontRef>
+        </p:style>
+      </p:cxnSp>
+      <p:cxnSp>
+        <p:nvCxnSpPr>
+          <p:cNvPr id="30" name="Straight Connector 29">
+            <a:extLst>
+              <a:ext uri="{FF2B5EF4-FFF2-40B4-BE49-F238E27FC236}">
+                <a16:creationId xmlns:a16="http://schemas.microsoft.com/office/drawing/2014/main" id="{7668C049-F4F2-5DAA-FF33-DBD02ECCFEF1}"/>
+              </a:ext>
+            </a:extLst>
+          </p:cNvPr>
+          <p:cNvCxnSpPr>
+            <a:cxnSpLocks/>
+          </p:cNvCxnSpPr>
+          <p:nvPr/>
+        </p:nvCxnSpPr>
+        <p:spPr>
+          <a:xfrm flipH="1">
+            <a:off x="2098623" y="527788"/>
+            <a:ext cx="140071" cy="0"/>
+          </a:xfrm>
+          <a:prstGeom prst="line">
+            <a:avLst/>
+          </a:prstGeom>
+          <a:ln w="19050">
+            <a:solidFill>
+              <a:srgbClr val="B35723"/>
+            </a:solidFill>
+            <a:headEnd type="none" w="med" len="med"/>
+            <a:tailEnd type="triangle" w="med" len="med"/>
+          </a:ln>
+        </p:spPr>
+        <p:style>
+          <a:lnRef idx="1">
+            <a:schemeClr val="accent2"/>
+          </a:lnRef>
+          <a:fillRef idx="0">
+            <a:schemeClr val="accent2"/>
+          </a:fillRef>
+          <a:effectRef idx="0">
+            <a:schemeClr val="accent2"/>
+          </a:effectRef>
+          <a:fontRef idx="minor">
+            <a:schemeClr val="tx1"/>
+          </a:fontRef>
+        </p:style>
+      </p:cxnSp>
+      <p:cxnSp>
+        <p:nvCxnSpPr>
+          <p:cNvPr id="32" name="Straight Connector 31">
+            <a:extLst>
+              <a:ext uri="{FF2B5EF4-FFF2-40B4-BE49-F238E27FC236}">
+                <a16:creationId xmlns:a16="http://schemas.microsoft.com/office/drawing/2014/main" id="{AF38A45C-E5E0-5E9E-0E12-4559834424D3}"/>
+              </a:ext>
+            </a:extLst>
+          </p:cNvPr>
+          <p:cNvCxnSpPr>
+            <a:cxnSpLocks/>
+          </p:cNvCxnSpPr>
+          <p:nvPr/>
+        </p:nvCxnSpPr>
+        <p:spPr>
+          <a:xfrm flipH="1">
+            <a:off x="2098623" y="1017354"/>
+            <a:ext cx="140071" cy="0"/>
+          </a:xfrm>
+          <a:prstGeom prst="line">
+            <a:avLst/>
+          </a:prstGeom>
+          <a:ln w="19050">
+            <a:headEnd type="triangle" w="med" len="med"/>
+            <a:tailEnd type="none" w="med" len="med"/>
+          </a:ln>
+        </p:spPr>
+        <p:style>
+          <a:lnRef idx="1">
+            <a:schemeClr val="dk1"/>
+          </a:lnRef>
+          <a:fillRef idx="0">
+            <a:schemeClr val="dk1"/>
+          </a:fillRef>
+          <a:effectRef idx="0">
+            <a:schemeClr val="dk1"/>
+          </a:effectRef>
+          <a:fontRef idx="minor">
+            <a:schemeClr val="tx1"/>
+          </a:fontRef>
+        </p:style>
+      </p:cxnSp>
+      <p:cxnSp>
+        <p:nvCxnSpPr>
+          <p:cNvPr id="33" name="Straight Connector 32">
+            <a:extLst>
+              <a:ext uri="{FF2B5EF4-FFF2-40B4-BE49-F238E27FC236}">
+                <a16:creationId xmlns:a16="http://schemas.microsoft.com/office/drawing/2014/main" id="{620CFA2B-4F2B-4DF9-A8BB-778AE7AA4C1F}"/>
+              </a:ext>
+            </a:extLst>
+          </p:cNvPr>
+          <p:cNvCxnSpPr>
+            <a:cxnSpLocks/>
+          </p:cNvCxnSpPr>
+          <p:nvPr/>
+        </p:nvCxnSpPr>
+        <p:spPr>
+          <a:xfrm flipH="1">
+            <a:off x="2098623" y="1521655"/>
+            <a:ext cx="140071" cy="0"/>
+          </a:xfrm>
+          <a:prstGeom prst="line">
+            <a:avLst/>
+          </a:prstGeom>
+          <a:ln w="19050">
+            <a:headEnd type="triangle" w="med" len="med"/>
+            <a:tailEnd type="none" w="med" len="med"/>
+          </a:ln>
+        </p:spPr>
+        <p:style>
+          <a:lnRef idx="1">
+            <a:schemeClr val="dk1"/>
+          </a:lnRef>
+          <a:fillRef idx="0">
+            <a:schemeClr val="dk1"/>
+          </a:fillRef>
+          <a:effectRef idx="0">
+            <a:schemeClr val="dk1"/>
+          </a:effectRef>
+          <a:fontRef idx="minor">
+            <a:schemeClr val="tx1"/>
+          </a:fontRef>
+        </p:style>
+      </p:cxnSp>
+      <p:cxnSp>
+        <p:nvCxnSpPr>
+          <p:cNvPr id="34" name="Straight Connector 33">
+            <a:extLst>
+              <a:ext uri="{FF2B5EF4-FFF2-40B4-BE49-F238E27FC236}">
+                <a16:creationId xmlns:a16="http://schemas.microsoft.com/office/drawing/2014/main" id="{4E7DCFB9-40A6-0F81-5E0D-41A316897FC1}"/>
+              </a:ext>
+            </a:extLst>
+          </p:cNvPr>
+          <p:cNvCxnSpPr>
+            <a:cxnSpLocks/>
+          </p:cNvCxnSpPr>
+          <p:nvPr/>
+        </p:nvCxnSpPr>
+        <p:spPr>
+          <a:xfrm flipH="1">
+            <a:off x="2098623" y="2029906"/>
+            <a:ext cx="140071" cy="0"/>
+          </a:xfrm>
+          <a:prstGeom prst="line">
+            <a:avLst/>
+          </a:prstGeom>
+          <a:ln w="19050">
+            <a:headEnd type="triangle" w="med" len="med"/>
+            <a:tailEnd type="none" w="med" len="med"/>
+          </a:ln>
+        </p:spPr>
+        <p:style>
+          <a:lnRef idx="1">
+            <a:schemeClr val="dk1"/>
+          </a:lnRef>
+          <a:fillRef idx="0">
+            <a:schemeClr val="dk1"/>
+          </a:fillRef>
+          <a:effectRef idx="0">
+            <a:schemeClr val="dk1"/>
+          </a:effectRef>
+          <a:fontRef idx="minor">
+            <a:schemeClr val="tx1"/>
+          </a:fontRef>
+        </p:style>
+      </p:cxnSp>
+      <p:sp>
+        <p:nvSpPr>
+          <p:cNvPr id="39" name="TextBox 38">
+            <a:extLst>
+              <a:ext uri="{FF2B5EF4-FFF2-40B4-BE49-F238E27FC236}">
+                <a16:creationId xmlns:a16="http://schemas.microsoft.com/office/drawing/2014/main" id="{01B8BC91-1E89-327E-46D6-1CF8971307DE}"/>
+              </a:ext>
+            </a:extLst>
+          </p:cNvPr>
+          <p:cNvSpPr txBox="1"/>
+          <p:nvPr/>
+        </p:nvSpPr>
+        <p:spPr>
+          <a:xfrm>
+            <a:off x="2535997" y="151538"/>
+            <a:ext cx="508473" cy="369332"/>
+          </a:xfrm>
+          <a:prstGeom prst="rect">
+            <a:avLst/>
+          </a:prstGeom>
+          <a:noFill/>
+        </p:spPr>
+        <p:txBody>
+          <a:bodyPr wrap="none" rtlCol="0">
+            <a:spAutoFit/>
+          </a:bodyPr>
+          <a:lstStyle/>
+          <a:p>
+            <a:pPr algn="ctr"/>
+            <a:r>
+              <a:rPr lang="en-US" sz="900" b="1" dirty="0">
+                <a:solidFill>
+                  <a:srgbClr val="B35723"/>
+                </a:solidFill>
+              </a:rPr>
+              <a:t>Source</a:t>
+            </a:r>
+            <a:br>
+              <a:rPr lang="en-US" sz="900" b="1" dirty="0">
+                <a:solidFill>
+                  <a:srgbClr val="B35723"/>
+                </a:solidFill>
+              </a:rPr>
+            </a:br>
+            <a:r>
+              <a:rPr lang="en-US" sz="900" b="1" dirty="0">
+                <a:solidFill>
+                  <a:srgbClr val="B35723"/>
+                </a:solidFill>
+              </a:rPr>
+              <a:t>Bldg.</a:t>
+            </a:r>
+          </a:p>
+        </p:txBody>
+      </p:sp>
+      <p:pic>
+        <p:nvPicPr>
+          <p:cNvPr id="67" name="Picture 66">
+            <a:extLst>
+              <a:ext uri="{FF2B5EF4-FFF2-40B4-BE49-F238E27FC236}">
+                <a16:creationId xmlns:a16="http://schemas.microsoft.com/office/drawing/2014/main" id="{ED2281E5-D6E2-7273-95BE-581623A44B96}"/>
+              </a:ext>
+            </a:extLst>
+          </p:cNvPr>
+          <p:cNvPicPr>
+            <a:picLocks noChangeAspect="1"/>
+          </p:cNvPicPr>
+          <p:nvPr/>
+        </p:nvPicPr>
+        <p:blipFill>
+          <a:blip r:embed="rId4"/>
+          <a:stretch>
+            <a:fillRect/>
+          </a:stretch>
+        </p:blipFill>
+        <p:spPr>
+          <a:xfrm>
+            <a:off x="2759455" y="3670062"/>
+            <a:ext cx="7772400" cy="2664160"/>
+          </a:xfrm>
+          <a:prstGeom prst="rect">
+            <a:avLst/>
+          </a:prstGeom>
+        </p:spPr>
+      </p:pic>
+    </p:spTree>
+    <p:extLst>
+      <p:ext uri="{BB962C8B-B14F-4D97-AF65-F5344CB8AC3E}">
+        <p14:creationId xmlns:p14="http://schemas.microsoft.com/office/powerpoint/2010/main" val="2867901525"/>
+      </p:ext>
+    </p:extLst>
+  </p:cSld>
+  <p:clrMapOvr>
+    <a:masterClrMapping/>
+  </p:clrMapOvr>
+</p:sld>
+</file>
+
+<file path=ppt/slides/slide4.xml><?xml version="1.0" encoding="utf-8"?>
+<p:sld xmlns:a="http://schemas.openxmlformats.org/drawingml/2006/main" xmlns:r="http://schemas.openxmlformats.org/officeDocument/2006/relationships" xmlns:p="http://schemas.openxmlformats.org/presentationml/2006/main">
+  <p:cSld>
+    <p:spTree>
+      <p:nvGrpSpPr>
+        <p:cNvPr id="1" name=""/>
+        <p:cNvGrpSpPr/>
+        <p:nvPr/>
+      </p:nvGrpSpPr>
+      <p:grpSpPr>
+        <a:xfrm>
+          <a:off x="0" y="0"/>
+          <a:ext cx="0" cy="0"/>
+          <a:chOff x="0" y="0"/>
+          <a:chExt cx="0" cy="0"/>
+        </a:xfrm>
+      </p:grpSpPr>
+      <p:sp>
+        <p:nvSpPr>
+          <p:cNvPr id="128" name="TextBox 127">
+            <a:extLst>
+              <a:ext uri="{FF2B5EF4-FFF2-40B4-BE49-F238E27FC236}">
+                <a16:creationId xmlns:a16="http://schemas.microsoft.com/office/drawing/2014/main" id="{70AACED2-E25C-6531-19EF-197B0E165C1D}"/>
+              </a:ext>
+            </a:extLst>
+          </p:cNvPr>
+          <p:cNvSpPr txBox="1"/>
+          <p:nvPr/>
+        </p:nvSpPr>
+        <p:spPr>
+          <a:xfrm>
+            <a:off x="7415561" y="-624468"/>
+            <a:ext cx="184731" cy="369332"/>
+          </a:xfrm>
+          <a:prstGeom prst="rect">
+            <a:avLst/>
+          </a:prstGeom>
+          <a:noFill/>
+        </p:spPr>
+        <p:txBody>
+          <a:bodyPr wrap="none" rtlCol="0">
+            <a:spAutoFit/>
+          </a:bodyPr>
+          <a:lstStyle/>
+          <a:p>
+            <a:endParaRPr lang="en-US" dirty="0"/>
+          </a:p>
+        </p:txBody>
+      </p:sp>
+      <p:pic>
+        <p:nvPicPr>
+          <p:cNvPr id="82" name="Picture 81" descr="Shape&#10;&#10;Description automatically generated with low confidence">
+            <a:extLst>
+              <a:ext uri="{FF2B5EF4-FFF2-40B4-BE49-F238E27FC236}">
+                <a16:creationId xmlns:a16="http://schemas.microsoft.com/office/drawing/2014/main" id="{127D265E-7A0E-4364-A23F-BC9DB3D103C2}"/>
+              </a:ext>
+            </a:extLst>
+          </p:cNvPr>
+          <p:cNvPicPr>
+            <a:picLocks noChangeAspect="1"/>
+          </p:cNvPicPr>
+          <p:nvPr/>
+        </p:nvPicPr>
+        <p:blipFill>
+          <a:blip r:embed="rId2">
+            <a:duotone>
+              <a:schemeClr val="accent2">
+                <a:shade val="45000"/>
+                <a:satMod val="135000"/>
+              </a:schemeClr>
+              <a:prstClr val="white"/>
+            </a:duotone>
+          </a:blip>
+          <a:stretch>
+            <a:fillRect/>
+          </a:stretch>
+        </p:blipFill>
+        <p:spPr>
+          <a:xfrm>
+            <a:off x="2223704" y="538628"/>
+            <a:ext cx="438035" cy="438035"/>
+          </a:xfrm>
+          <a:prstGeom prst="rect">
+            <a:avLst/>
+          </a:prstGeom>
+        </p:spPr>
+      </p:pic>
+      <p:grpSp>
+        <p:nvGrpSpPr>
+          <p:cNvPr id="12" name="Group 11">
+            <a:extLst>
+              <a:ext uri="{FF2B5EF4-FFF2-40B4-BE49-F238E27FC236}">
+                <a16:creationId xmlns:a16="http://schemas.microsoft.com/office/drawing/2014/main" id="{D544AB81-3C15-B8BA-E5F6-E03702C67C13}"/>
+              </a:ext>
+            </a:extLst>
+          </p:cNvPr>
+          <p:cNvGrpSpPr>
+            <a:grpSpLocks noChangeAspect="1"/>
+          </p:cNvGrpSpPr>
+          <p:nvPr/>
+        </p:nvGrpSpPr>
+        <p:grpSpPr>
+          <a:xfrm>
+            <a:off x="2229686" y="59037"/>
+            <a:ext cx="438035" cy="438035"/>
+            <a:chOff x="4076118" y="-75195"/>
+            <a:chExt cx="995854" cy="995854"/>
+          </a:xfrm>
+        </p:grpSpPr>
+        <p:sp>
+          <p:nvSpPr>
+            <p:cNvPr id="15" name="Rectangle 14">
+              <a:extLst>
+                <a:ext uri="{FF2B5EF4-FFF2-40B4-BE49-F238E27FC236}">
+                  <a16:creationId xmlns:a16="http://schemas.microsoft.com/office/drawing/2014/main" id="{272633EB-4B33-8F8D-7727-54731A07AA08}"/>
+                </a:ext>
+              </a:extLst>
+            </p:cNvPr>
+            <p:cNvSpPr/>
+            <p:nvPr/>
+          </p:nvSpPr>
+          <p:spPr>
+            <a:xfrm>
+              <a:off x="4633937" y="580735"/>
+              <a:ext cx="235103" cy="164307"/>
+            </a:xfrm>
+            <a:prstGeom prst="rect">
+              <a:avLst/>
+            </a:prstGeom>
+            <a:solidFill>
+              <a:srgbClr val="00B050"/>
+            </a:solidFill>
+          </p:spPr>
+          <p:style>
+            <a:lnRef idx="2">
+              <a:schemeClr val="accent1">
+                <a:shade val="50000"/>
+              </a:schemeClr>
+            </a:lnRef>
+            <a:fillRef idx="1">
+              <a:schemeClr val="accent1"/>
+            </a:fillRef>
+            <a:effectRef idx="0">
+              <a:schemeClr val="accent1"/>
+            </a:effectRef>
+            <a:fontRef idx="minor">
+              <a:schemeClr val="lt1"/>
+            </a:fontRef>
+          </p:style>
+          <p:txBody>
+            <a:bodyPr rtlCol="0" anchor="ctr"/>
+            <a:lstStyle/>
+            <a:p>
+              <a:pPr algn="ctr"/>
+              <a:endParaRPr lang="en-US"/>
+            </a:p>
+          </p:txBody>
+        </p:sp>
+        <p:pic>
+          <p:nvPicPr>
+            <p:cNvPr id="16" name="Picture 15" descr="Shape&#10;&#10;Description automatically generated with low confidence">
+              <a:extLst>
+                <a:ext uri="{FF2B5EF4-FFF2-40B4-BE49-F238E27FC236}">
+                  <a16:creationId xmlns:a16="http://schemas.microsoft.com/office/drawing/2014/main" id="{CC2573E5-D086-DF88-3BE5-852E516ED536}"/>
+                </a:ext>
+              </a:extLst>
+            </p:cNvPr>
+            <p:cNvPicPr>
+              <a:picLocks noChangeAspect="1"/>
+            </p:cNvPicPr>
+            <p:nvPr/>
+          </p:nvPicPr>
+          <p:blipFill>
+            <a:blip r:embed="rId2">
+              <a:grayscl/>
+            </a:blip>
+            <a:stretch>
+              <a:fillRect/>
+            </a:stretch>
+          </p:blipFill>
+          <p:spPr>
+            <a:xfrm>
+              <a:off x="4076118" y="-75195"/>
+              <a:ext cx="995854" cy="995854"/>
+            </a:xfrm>
+            <a:prstGeom prst="rect">
+              <a:avLst/>
+            </a:prstGeom>
+          </p:spPr>
+        </p:pic>
+      </p:grpSp>
+      <p:cxnSp>
+        <p:nvCxnSpPr>
+          <p:cNvPr id="22" name="Straight Connector 21">
+            <a:extLst>
+              <a:ext uri="{FF2B5EF4-FFF2-40B4-BE49-F238E27FC236}">
+                <a16:creationId xmlns:a16="http://schemas.microsoft.com/office/drawing/2014/main" id="{E4971527-84E6-EA24-2AEF-9D91DE49D5D6}"/>
+              </a:ext>
+            </a:extLst>
+          </p:cNvPr>
+          <p:cNvCxnSpPr>
+            <a:cxnSpLocks/>
+          </p:cNvCxnSpPr>
+          <p:nvPr/>
+        </p:nvCxnSpPr>
+        <p:spPr>
+          <a:xfrm>
+            <a:off x="2098623" y="376719"/>
+            <a:ext cx="0" cy="1502118"/>
+          </a:xfrm>
+          <a:prstGeom prst="line">
+            <a:avLst/>
+          </a:prstGeom>
+          <a:ln w="19050">
+            <a:solidFill>
+              <a:srgbClr val="B35723"/>
+            </a:solidFill>
+          </a:ln>
+        </p:spPr>
+        <p:style>
+          <a:lnRef idx="1">
+            <a:schemeClr val="dk1"/>
+          </a:lnRef>
+          <a:fillRef idx="0">
+            <a:schemeClr val="dk1"/>
+          </a:fillRef>
+          <a:effectRef idx="0">
+            <a:schemeClr val="dk1"/>
+          </a:effectRef>
+          <a:fontRef idx="minor">
+            <a:schemeClr val="tx1"/>
+          </a:fontRef>
+        </p:style>
+      </p:cxnSp>
+      <p:cxnSp>
+        <p:nvCxnSpPr>
+          <p:cNvPr id="23" name="Straight Connector 22">
+            <a:extLst>
+              <a:ext uri="{FF2B5EF4-FFF2-40B4-BE49-F238E27FC236}">
+                <a16:creationId xmlns:a16="http://schemas.microsoft.com/office/drawing/2014/main" id="{42156929-EE93-A5AA-3FE9-1F9A2C974002}"/>
+              </a:ext>
+            </a:extLst>
+          </p:cNvPr>
+          <p:cNvCxnSpPr>
+            <a:cxnSpLocks/>
+          </p:cNvCxnSpPr>
+          <p:nvPr/>
+        </p:nvCxnSpPr>
+        <p:spPr>
+          <a:xfrm flipH="1">
+            <a:off x="2635395" y="376719"/>
+            <a:ext cx="248708" cy="0"/>
+          </a:xfrm>
+          <a:prstGeom prst="line">
+            <a:avLst/>
+          </a:prstGeom>
+          <a:ln w="19050">
+            <a:solidFill>
+              <a:schemeClr val="tx1"/>
+            </a:solidFill>
+            <a:headEnd type="none" w="med" len="med"/>
+            <a:tailEnd type="none" w="med" len="med"/>
+          </a:ln>
+        </p:spPr>
+        <p:style>
+          <a:lnRef idx="1">
+            <a:schemeClr val="accent2"/>
+          </a:lnRef>
+          <a:fillRef idx="0">
+            <a:schemeClr val="accent2"/>
+          </a:fillRef>
+          <a:effectRef idx="0">
+            <a:schemeClr val="accent2"/>
+          </a:effectRef>
+          <a:fontRef idx="minor">
+            <a:schemeClr val="tx1"/>
+          </a:fontRef>
+        </p:style>
+      </p:cxnSp>
+      <p:cxnSp>
+        <p:nvCxnSpPr>
+          <p:cNvPr id="30" name="Straight Connector 29">
+            <a:extLst>
+              <a:ext uri="{FF2B5EF4-FFF2-40B4-BE49-F238E27FC236}">
+                <a16:creationId xmlns:a16="http://schemas.microsoft.com/office/drawing/2014/main" id="{7668C049-F4F2-5DAA-FF33-DBD02ECCFEF1}"/>
+              </a:ext>
+            </a:extLst>
+          </p:cNvPr>
+          <p:cNvCxnSpPr>
+            <a:cxnSpLocks/>
+          </p:cNvCxnSpPr>
+          <p:nvPr/>
+        </p:nvCxnSpPr>
+        <p:spPr>
+          <a:xfrm flipH="1">
+            <a:off x="2098623" y="376719"/>
+            <a:ext cx="140071" cy="0"/>
+          </a:xfrm>
+          <a:prstGeom prst="line">
+            <a:avLst/>
+          </a:prstGeom>
+          <a:ln w="19050">
+            <a:solidFill>
+              <a:schemeClr val="tx1"/>
+            </a:solidFill>
+            <a:headEnd type="triangle" w="med" len="med"/>
+            <a:tailEnd type="none" w="med" len="med"/>
+          </a:ln>
+        </p:spPr>
+        <p:style>
+          <a:lnRef idx="1">
+            <a:schemeClr val="accent2"/>
+          </a:lnRef>
+          <a:fillRef idx="0">
+            <a:schemeClr val="accent2"/>
+          </a:fillRef>
+          <a:effectRef idx="0">
+            <a:schemeClr val="accent2"/>
+          </a:effectRef>
+          <a:fontRef idx="minor">
+            <a:schemeClr val="tx1"/>
+          </a:fontRef>
+        </p:style>
+      </p:cxnSp>
+      <p:cxnSp>
+        <p:nvCxnSpPr>
+          <p:cNvPr id="32" name="Straight Connector 31">
+            <a:extLst>
+              <a:ext uri="{FF2B5EF4-FFF2-40B4-BE49-F238E27FC236}">
+                <a16:creationId xmlns:a16="http://schemas.microsoft.com/office/drawing/2014/main" id="{AF38A45C-E5E0-5E9E-0E12-4559834424D3}"/>
+              </a:ext>
+            </a:extLst>
+          </p:cNvPr>
+          <p:cNvCxnSpPr>
+            <a:cxnSpLocks/>
+          </p:cNvCxnSpPr>
+          <p:nvPr/>
+        </p:nvCxnSpPr>
+        <p:spPr>
+          <a:xfrm flipH="1">
+            <a:off x="2098623" y="866285"/>
+            <a:ext cx="140071" cy="0"/>
+          </a:xfrm>
+          <a:prstGeom prst="line">
+            <a:avLst/>
+          </a:prstGeom>
+          <a:ln w="19050">
+            <a:solidFill>
+              <a:srgbClr val="B35723"/>
+            </a:solidFill>
+            <a:headEnd type="none" w="med" len="med"/>
+            <a:tailEnd type="triangle" w="med" len="med"/>
+          </a:ln>
+        </p:spPr>
+        <p:style>
+          <a:lnRef idx="1">
+            <a:schemeClr val="dk1"/>
+          </a:lnRef>
+          <a:fillRef idx="0">
+            <a:schemeClr val="dk1"/>
+          </a:fillRef>
+          <a:effectRef idx="0">
+            <a:schemeClr val="dk1"/>
+          </a:effectRef>
+          <a:fontRef idx="minor">
+            <a:schemeClr val="tx1"/>
+          </a:fontRef>
+        </p:style>
+      </p:cxnSp>
+      <p:cxnSp>
+        <p:nvCxnSpPr>
+          <p:cNvPr id="33" name="Straight Connector 32">
+            <a:extLst>
+              <a:ext uri="{FF2B5EF4-FFF2-40B4-BE49-F238E27FC236}">
+                <a16:creationId xmlns:a16="http://schemas.microsoft.com/office/drawing/2014/main" id="{620CFA2B-4F2B-4DF9-A8BB-778AE7AA4C1F}"/>
+              </a:ext>
+            </a:extLst>
+          </p:cNvPr>
+          <p:cNvCxnSpPr>
+            <a:cxnSpLocks/>
+          </p:cNvCxnSpPr>
+          <p:nvPr/>
+        </p:nvCxnSpPr>
+        <p:spPr>
+          <a:xfrm flipH="1">
+            <a:off x="2098623" y="1370586"/>
+            <a:ext cx="140071" cy="0"/>
+          </a:xfrm>
+          <a:prstGeom prst="line">
+            <a:avLst/>
+          </a:prstGeom>
+          <a:ln w="19050">
+            <a:solidFill>
+              <a:srgbClr val="B35723"/>
+            </a:solidFill>
+            <a:headEnd type="none" w="med" len="med"/>
+            <a:tailEnd type="triangle" w="med" len="med"/>
+          </a:ln>
+        </p:spPr>
+        <p:style>
+          <a:lnRef idx="1">
+            <a:schemeClr val="dk1"/>
+          </a:lnRef>
+          <a:fillRef idx="0">
+            <a:schemeClr val="dk1"/>
+          </a:fillRef>
+          <a:effectRef idx="0">
+            <a:schemeClr val="dk1"/>
+          </a:effectRef>
+          <a:fontRef idx="minor">
+            <a:schemeClr val="tx1"/>
+          </a:fontRef>
+        </p:style>
+      </p:cxnSp>
+      <p:cxnSp>
+        <p:nvCxnSpPr>
+          <p:cNvPr id="34" name="Straight Connector 33">
+            <a:extLst>
+              <a:ext uri="{FF2B5EF4-FFF2-40B4-BE49-F238E27FC236}">
+                <a16:creationId xmlns:a16="http://schemas.microsoft.com/office/drawing/2014/main" id="{4E7DCFB9-40A6-0F81-5E0D-41A316897FC1}"/>
+              </a:ext>
+            </a:extLst>
+          </p:cNvPr>
+          <p:cNvCxnSpPr>
+            <a:cxnSpLocks/>
+          </p:cNvCxnSpPr>
+          <p:nvPr/>
+        </p:nvCxnSpPr>
+        <p:spPr>
+          <a:xfrm flipH="1">
+            <a:off x="2098623" y="1878837"/>
+            <a:ext cx="140071" cy="0"/>
+          </a:xfrm>
+          <a:prstGeom prst="line">
+            <a:avLst/>
+          </a:prstGeom>
+          <a:ln w="19050">
+            <a:solidFill>
+              <a:srgbClr val="B35723"/>
+            </a:solidFill>
+            <a:headEnd type="none" w="med" len="med"/>
+            <a:tailEnd type="triangle" w="med" len="med"/>
+          </a:ln>
+        </p:spPr>
+        <p:style>
+          <a:lnRef idx="1">
+            <a:schemeClr val="dk1"/>
+          </a:lnRef>
+          <a:fillRef idx="0">
+            <a:schemeClr val="dk1"/>
+          </a:fillRef>
+          <a:effectRef idx="0">
+            <a:schemeClr val="dk1"/>
+          </a:effectRef>
+          <a:fontRef idx="minor">
+            <a:schemeClr val="tx1"/>
+          </a:fontRef>
+        </p:style>
+      </p:cxnSp>
+      <p:sp>
+        <p:nvSpPr>
+          <p:cNvPr id="39" name="TextBox 38">
+            <a:extLst>
+              <a:ext uri="{FF2B5EF4-FFF2-40B4-BE49-F238E27FC236}">
+                <a16:creationId xmlns:a16="http://schemas.microsoft.com/office/drawing/2014/main" id="{01B8BC91-1E89-327E-46D6-1CF8971307DE}"/>
+              </a:ext>
+            </a:extLst>
+          </p:cNvPr>
+          <p:cNvSpPr txBox="1"/>
+          <p:nvPr/>
+        </p:nvSpPr>
+        <p:spPr>
+          <a:xfrm>
+            <a:off x="2543210" y="469"/>
+            <a:ext cx="494046" cy="369332"/>
+          </a:xfrm>
+          <a:prstGeom prst="rect">
+            <a:avLst/>
+          </a:prstGeom>
+          <a:noFill/>
+        </p:spPr>
+        <p:txBody>
+          <a:bodyPr wrap="none" rtlCol="0">
+            <a:spAutoFit/>
+          </a:bodyPr>
+          <a:lstStyle/>
+          <a:p>
+            <a:pPr algn="ctr"/>
+            <a:r>
+              <a:rPr lang="en-US" sz="900" b="1" dirty="0"/>
+              <a:t>Target</a:t>
+            </a:r>
+            <a:br>
+              <a:rPr lang="en-US" sz="900" b="1" dirty="0"/>
+            </a:br>
+            <a:r>
+              <a:rPr lang="en-US" sz="900" b="1" dirty="0"/>
+              <a:t>Bldg.</a:t>
+            </a:r>
+          </a:p>
+        </p:txBody>
+      </p:sp>
+      <p:pic>
+        <p:nvPicPr>
+          <p:cNvPr id="7" name="Picture 6" descr="Shape&#10;&#10;Description automatically generated with low confidence">
+            <a:extLst>
+              <a:ext uri="{FF2B5EF4-FFF2-40B4-BE49-F238E27FC236}">
+                <a16:creationId xmlns:a16="http://schemas.microsoft.com/office/drawing/2014/main" id="{2524F525-A292-5EEA-776F-965E9ECFCB24}"/>
+              </a:ext>
+            </a:extLst>
+          </p:cNvPr>
+          <p:cNvPicPr>
+            <a:picLocks noChangeAspect="1"/>
+          </p:cNvPicPr>
+          <p:nvPr/>
+        </p:nvPicPr>
+        <p:blipFill>
+          <a:blip r:embed="rId2">
+            <a:duotone>
+              <a:schemeClr val="accent2">
+                <a:shade val="45000"/>
+                <a:satMod val="135000"/>
+              </a:schemeClr>
+              <a:prstClr val="white"/>
+            </a:duotone>
+          </a:blip>
+          <a:stretch>
+            <a:fillRect/>
+          </a:stretch>
+        </p:blipFill>
+        <p:spPr>
+          <a:xfrm>
+            <a:off x="2240365" y="1028193"/>
+            <a:ext cx="438035" cy="438035"/>
+          </a:xfrm>
+          <a:prstGeom prst="rect">
+            <a:avLst/>
+          </a:prstGeom>
+        </p:spPr>
+      </p:pic>
+      <p:pic>
+        <p:nvPicPr>
+          <p:cNvPr id="8" name="Picture 7" descr="Shape&#10;&#10;Description automatically generated with low confidence">
+            <a:extLst>
+              <a:ext uri="{FF2B5EF4-FFF2-40B4-BE49-F238E27FC236}">
+                <a16:creationId xmlns:a16="http://schemas.microsoft.com/office/drawing/2014/main" id="{6419243A-D2C6-2983-DC34-88A74D5F5FFF}"/>
+              </a:ext>
+            </a:extLst>
+          </p:cNvPr>
+          <p:cNvPicPr>
+            <a:picLocks noChangeAspect="1"/>
+          </p:cNvPicPr>
+          <p:nvPr/>
+        </p:nvPicPr>
+        <p:blipFill>
+          <a:blip r:embed="rId2">
+            <a:duotone>
+              <a:schemeClr val="accent2">
+                <a:shade val="45000"/>
+                <a:satMod val="135000"/>
+              </a:schemeClr>
+              <a:prstClr val="white"/>
+            </a:duotone>
+          </a:blip>
+          <a:stretch>
+            <a:fillRect/>
+          </a:stretch>
+        </p:blipFill>
+        <p:spPr>
+          <a:xfrm>
+            <a:off x="2230727" y="1545492"/>
+            <a:ext cx="438035" cy="438035"/>
+          </a:xfrm>
+          <a:prstGeom prst="rect">
+            <a:avLst/>
+          </a:prstGeom>
+        </p:spPr>
+      </p:pic>
+      <p:pic>
+        <p:nvPicPr>
+          <p:cNvPr id="37" name="Picture 36">
+            <a:extLst>
+              <a:ext uri="{FF2B5EF4-FFF2-40B4-BE49-F238E27FC236}">
+                <a16:creationId xmlns:a16="http://schemas.microsoft.com/office/drawing/2014/main" id="{09983D9D-251F-1AB4-98B1-96D261D51FFC}"/>
+              </a:ext>
+            </a:extLst>
+          </p:cNvPr>
+          <p:cNvPicPr>
+            <a:picLocks noChangeAspect="1"/>
+          </p:cNvPicPr>
+          <p:nvPr/>
+        </p:nvPicPr>
+        <p:blipFill>
+          <a:blip r:embed="rId3"/>
+          <a:stretch>
+            <a:fillRect/>
+          </a:stretch>
+        </p:blipFill>
+        <p:spPr>
+          <a:xfrm>
+            <a:off x="2780737" y="51086"/>
+            <a:ext cx="7772400" cy="2743200"/>
+          </a:xfrm>
+          <a:prstGeom prst="rect">
+            <a:avLst/>
+          </a:prstGeom>
+        </p:spPr>
+      </p:pic>
+      <p:pic>
+        <p:nvPicPr>
+          <p:cNvPr id="40" name="Picture 39">
+            <a:extLst>
+              <a:ext uri="{FF2B5EF4-FFF2-40B4-BE49-F238E27FC236}">
+                <a16:creationId xmlns:a16="http://schemas.microsoft.com/office/drawing/2014/main" id="{24EACC54-1811-9463-77E6-31AA13E1FCD4}"/>
+              </a:ext>
+            </a:extLst>
+          </p:cNvPr>
+          <p:cNvPicPr>
+            <a:picLocks noChangeAspect="1"/>
+          </p:cNvPicPr>
+          <p:nvPr/>
+        </p:nvPicPr>
+        <p:blipFill>
+          <a:blip r:embed="rId4"/>
+          <a:stretch>
+            <a:fillRect/>
+          </a:stretch>
+        </p:blipFill>
+        <p:spPr>
+          <a:xfrm>
+            <a:off x="2168658" y="3602206"/>
+            <a:ext cx="7772400" cy="2544535"/>
+          </a:xfrm>
+          <a:prstGeom prst="rect">
+            <a:avLst/>
+          </a:prstGeom>
+        </p:spPr>
+      </p:pic>
+    </p:spTree>
+    <p:extLst>
+      <p:ext uri="{BB962C8B-B14F-4D97-AF65-F5344CB8AC3E}">
+        <p14:creationId xmlns:p14="http://schemas.microsoft.com/office/powerpoint/2010/main" val="3994073796"/>
+      </p:ext>
+    </p:extLst>
+  </p:cSld>
+  <p:clrMapOvr>
+    <a:masterClrMapping/>
+  </p:clrMapOvr>
+</p:sld>
+</file>
+
+<file path=ppt/slides/slide5.xml><?xml version="1.0" encoding="utf-8"?>
 <p:sld xmlns:a="http://schemas.openxmlformats.org/drawingml/2006/main" xmlns:r="http://schemas.openxmlformats.org/officeDocument/2006/relationships" xmlns:p="http://schemas.openxmlformats.org/presentationml/2006/main">
   <p:cSld>
     <p:spTree>

--- a/figures/scratch.pptx
+++ b/figures/scratch.pptx
@@ -294,7 +294,7 @@
           <a:p>
             <a:fld id="{5921CFB6-8B8E-BC45-B63B-4CA094D0414B}" type="datetimeFigureOut">
               <a:rPr lang="en-US" smtClean="0"/>
-              <a:t>12/21/22</a:t>
+              <a:t>2/12/23</a:t>
             </a:fld>
             <a:endParaRPr lang="en-US"/>
           </a:p>
@@ -492,7 +492,7 @@
           <a:p>
             <a:fld id="{5921CFB6-8B8E-BC45-B63B-4CA094D0414B}" type="datetimeFigureOut">
               <a:rPr lang="en-US" smtClean="0"/>
-              <a:t>12/21/22</a:t>
+              <a:t>2/12/23</a:t>
             </a:fld>
             <a:endParaRPr lang="en-US"/>
           </a:p>
@@ -700,7 +700,7 @@
           <a:p>
             <a:fld id="{5921CFB6-8B8E-BC45-B63B-4CA094D0414B}" type="datetimeFigureOut">
               <a:rPr lang="en-US" smtClean="0"/>
-              <a:t>12/21/22</a:t>
+              <a:t>2/12/23</a:t>
             </a:fld>
             <a:endParaRPr lang="en-US"/>
           </a:p>
@@ -898,7 +898,7 @@
           <a:p>
             <a:fld id="{5921CFB6-8B8E-BC45-B63B-4CA094D0414B}" type="datetimeFigureOut">
               <a:rPr lang="en-US" smtClean="0"/>
-              <a:t>12/21/22</a:t>
+              <a:t>2/12/23</a:t>
             </a:fld>
             <a:endParaRPr lang="en-US"/>
           </a:p>
@@ -1173,7 +1173,7 @@
           <a:p>
             <a:fld id="{5921CFB6-8B8E-BC45-B63B-4CA094D0414B}" type="datetimeFigureOut">
               <a:rPr lang="en-US" smtClean="0"/>
-              <a:t>12/21/22</a:t>
+              <a:t>2/12/23</a:t>
             </a:fld>
             <a:endParaRPr lang="en-US"/>
           </a:p>
@@ -1438,7 +1438,7 @@
           <a:p>
             <a:fld id="{5921CFB6-8B8E-BC45-B63B-4CA094D0414B}" type="datetimeFigureOut">
               <a:rPr lang="en-US" smtClean="0"/>
-              <a:t>12/21/22</a:t>
+              <a:t>2/12/23</a:t>
             </a:fld>
             <a:endParaRPr lang="en-US"/>
           </a:p>
@@ -1850,7 +1850,7 @@
           <a:p>
             <a:fld id="{5921CFB6-8B8E-BC45-B63B-4CA094D0414B}" type="datetimeFigureOut">
               <a:rPr lang="en-US" smtClean="0"/>
-              <a:t>12/21/22</a:t>
+              <a:t>2/12/23</a:t>
             </a:fld>
             <a:endParaRPr lang="en-US"/>
           </a:p>
@@ -1991,7 +1991,7 @@
           <a:p>
             <a:fld id="{5921CFB6-8B8E-BC45-B63B-4CA094D0414B}" type="datetimeFigureOut">
               <a:rPr lang="en-US" smtClean="0"/>
-              <a:t>12/21/22</a:t>
+              <a:t>2/12/23</a:t>
             </a:fld>
             <a:endParaRPr lang="en-US"/>
           </a:p>
@@ -2104,7 +2104,7 @@
           <a:p>
             <a:fld id="{5921CFB6-8B8E-BC45-B63B-4CA094D0414B}" type="datetimeFigureOut">
               <a:rPr lang="en-US" smtClean="0"/>
-              <a:t>12/21/22</a:t>
+              <a:t>2/12/23</a:t>
             </a:fld>
             <a:endParaRPr lang="en-US"/>
           </a:p>
@@ -2415,7 +2415,7 @@
           <a:p>
             <a:fld id="{5921CFB6-8B8E-BC45-B63B-4CA094D0414B}" type="datetimeFigureOut">
               <a:rPr lang="en-US" smtClean="0"/>
-              <a:t>12/21/22</a:t>
+              <a:t>2/12/23</a:t>
             </a:fld>
             <a:endParaRPr lang="en-US"/>
           </a:p>
@@ -2703,7 +2703,7 @@
           <a:p>
             <a:fld id="{5921CFB6-8B8E-BC45-B63B-4CA094D0414B}" type="datetimeFigureOut">
               <a:rPr lang="en-US" smtClean="0"/>
-              <a:t>12/21/22</a:t>
+              <a:t>2/12/23</a:t>
             </a:fld>
             <a:endParaRPr lang="en-US"/>
           </a:p>
@@ -2944,7 +2944,7 @@
           <a:p>
             <a:fld id="{5921CFB6-8B8E-BC45-B63B-4CA094D0414B}" type="datetimeFigureOut">
               <a:rPr lang="en-US" smtClean="0"/>
-              <a:t>12/21/22</a:t>
+              <a:t>2/12/23</a:t>
             </a:fld>
             <a:endParaRPr lang="en-US"/>
           </a:p>
@@ -8568,36 +8568,6 @@
           <a:chExt cx="0" cy="0"/>
         </a:xfrm>
       </p:grpSpPr>
-      <p:pic>
-        <p:nvPicPr>
-          <p:cNvPr id="66" name="Picture 65">
-            <a:extLst>
-              <a:ext uri="{FF2B5EF4-FFF2-40B4-BE49-F238E27FC236}">
-                <a16:creationId xmlns:a16="http://schemas.microsoft.com/office/drawing/2014/main" id="{9FD2DCA2-FE57-DA3B-B32F-A0666D6B1727}"/>
-              </a:ext>
-            </a:extLst>
-          </p:cNvPr>
-          <p:cNvPicPr>
-            <a:picLocks noChangeAspect="1"/>
-          </p:cNvPicPr>
-          <p:nvPr/>
-        </p:nvPicPr>
-        <p:blipFill>
-          <a:blip r:embed="rId2"/>
-          <a:stretch>
-            <a:fillRect/>
-          </a:stretch>
-        </p:blipFill>
-        <p:spPr>
-          <a:xfrm>
-            <a:off x="2759455" y="257474"/>
-            <a:ext cx="7772400" cy="2811696"/>
-          </a:xfrm>
-          <a:prstGeom prst="rect">
-            <a:avLst/>
-          </a:prstGeom>
-        </p:spPr>
-      </p:pic>
       <p:sp>
         <p:nvSpPr>
           <p:cNvPr id="128" name="TextBox 127">
@@ -8645,7 +8615,7 @@
           <p:nvPr/>
         </p:nvPicPr>
         <p:blipFill>
-          <a:blip r:embed="rId3">
+          <a:blip r:embed="rId2">
             <a:duotone>
               <a:schemeClr val="accent2">
                 <a:shade val="45000"/>
@@ -8754,7 +8724,7 @@
             <p:nvPr/>
           </p:nvPicPr>
           <p:blipFill>
-            <a:blip r:embed="rId3">
+            <a:blip r:embed="rId2">
               <a:grayscl/>
             </a:blip>
             <a:stretch>
@@ -8858,7 +8828,7 @@
             <p:nvPr/>
           </p:nvPicPr>
           <p:blipFill>
-            <a:blip r:embed="rId3">
+            <a:blip r:embed="rId2">
               <a:grayscl/>
             </a:blip>
             <a:stretch>
@@ -8893,550 +8863,6 @@
         <p:grpSpPr>
           <a:xfrm>
             <a:off x="2211284" y="692702"/>
-            <a:ext cx="438035" cy="438035"/>
-            <a:chOff x="4076118" y="-75195"/>
-            <a:chExt cx="995854" cy="995854"/>
-          </a:xfrm>
-        </p:grpSpPr>
-        <p:sp>
-          <p:nvSpPr>
-            <p:cNvPr id="15" name="Rectangle 14">
-              <a:extLst>
-                <a:ext uri="{FF2B5EF4-FFF2-40B4-BE49-F238E27FC236}">
-                  <a16:creationId xmlns:a16="http://schemas.microsoft.com/office/drawing/2014/main" id="{272633EB-4B33-8F8D-7727-54731A07AA08}"/>
-                </a:ext>
-              </a:extLst>
-            </p:cNvPr>
-            <p:cNvSpPr/>
-            <p:nvPr/>
-          </p:nvSpPr>
-          <p:spPr>
-            <a:xfrm>
-              <a:off x="4633937" y="580735"/>
-              <a:ext cx="235103" cy="164307"/>
-            </a:xfrm>
-            <a:prstGeom prst="rect">
-              <a:avLst/>
-            </a:prstGeom>
-            <a:solidFill>
-              <a:srgbClr val="00B050"/>
-            </a:solidFill>
-          </p:spPr>
-          <p:style>
-            <a:lnRef idx="2">
-              <a:schemeClr val="accent1">
-                <a:shade val="50000"/>
-              </a:schemeClr>
-            </a:lnRef>
-            <a:fillRef idx="1">
-              <a:schemeClr val="accent1"/>
-            </a:fillRef>
-            <a:effectRef idx="0">
-              <a:schemeClr val="accent1"/>
-            </a:effectRef>
-            <a:fontRef idx="minor">
-              <a:schemeClr val="lt1"/>
-            </a:fontRef>
-          </p:style>
-          <p:txBody>
-            <a:bodyPr rtlCol="0" anchor="ctr"/>
-            <a:lstStyle/>
-            <a:p>
-              <a:pPr algn="ctr"/>
-              <a:endParaRPr lang="en-US"/>
-            </a:p>
-          </p:txBody>
-        </p:sp>
-        <p:pic>
-          <p:nvPicPr>
-            <p:cNvPr id="16" name="Picture 15" descr="Shape&#10;&#10;Description automatically generated with low confidence">
-              <a:extLst>
-                <a:ext uri="{FF2B5EF4-FFF2-40B4-BE49-F238E27FC236}">
-                  <a16:creationId xmlns:a16="http://schemas.microsoft.com/office/drawing/2014/main" id="{CC2573E5-D086-DF88-3BE5-852E516ED536}"/>
-                </a:ext>
-              </a:extLst>
-            </p:cNvPr>
-            <p:cNvPicPr>
-              <a:picLocks noChangeAspect="1"/>
-            </p:cNvPicPr>
-            <p:nvPr/>
-          </p:nvPicPr>
-          <p:blipFill>
-            <a:blip r:embed="rId3">
-              <a:grayscl/>
-            </a:blip>
-            <a:stretch>
-              <a:fillRect/>
-            </a:stretch>
-          </p:blipFill>
-          <p:spPr>
-            <a:xfrm>
-              <a:off x="4076118" y="-75195"/>
-              <a:ext cx="995854" cy="995854"/>
-            </a:xfrm>
-            <a:prstGeom prst="rect">
-              <a:avLst/>
-            </a:prstGeom>
-          </p:spPr>
-        </p:pic>
-      </p:grpSp>
-      <p:cxnSp>
-        <p:nvCxnSpPr>
-          <p:cNvPr id="22" name="Straight Connector 21">
-            <a:extLst>
-              <a:ext uri="{FF2B5EF4-FFF2-40B4-BE49-F238E27FC236}">
-                <a16:creationId xmlns:a16="http://schemas.microsoft.com/office/drawing/2014/main" id="{E4971527-84E6-EA24-2AEF-9D91DE49D5D6}"/>
-              </a:ext>
-            </a:extLst>
-          </p:cNvPr>
-          <p:cNvCxnSpPr>
-            <a:cxnSpLocks/>
-          </p:cNvCxnSpPr>
-          <p:nvPr/>
-        </p:nvCxnSpPr>
-        <p:spPr>
-          <a:xfrm>
-            <a:off x="2098623" y="527788"/>
-            <a:ext cx="0" cy="1502118"/>
-          </a:xfrm>
-          <a:prstGeom prst="line">
-            <a:avLst/>
-          </a:prstGeom>
-          <a:ln w="19050"/>
-        </p:spPr>
-        <p:style>
-          <a:lnRef idx="1">
-            <a:schemeClr val="dk1"/>
-          </a:lnRef>
-          <a:fillRef idx="0">
-            <a:schemeClr val="dk1"/>
-          </a:fillRef>
-          <a:effectRef idx="0">
-            <a:schemeClr val="dk1"/>
-          </a:effectRef>
-          <a:fontRef idx="minor">
-            <a:schemeClr val="tx1"/>
-          </a:fontRef>
-        </p:style>
-      </p:cxnSp>
-      <p:cxnSp>
-        <p:nvCxnSpPr>
-          <p:cNvPr id="23" name="Straight Connector 22">
-            <a:extLst>
-              <a:ext uri="{FF2B5EF4-FFF2-40B4-BE49-F238E27FC236}">
-                <a16:creationId xmlns:a16="http://schemas.microsoft.com/office/drawing/2014/main" id="{42156929-EE93-A5AA-3FE9-1F9A2C974002}"/>
-              </a:ext>
-            </a:extLst>
-          </p:cNvPr>
-          <p:cNvCxnSpPr>
-            <a:cxnSpLocks/>
-          </p:cNvCxnSpPr>
-          <p:nvPr/>
-        </p:nvCxnSpPr>
-        <p:spPr>
-          <a:xfrm flipH="1">
-            <a:off x="2635395" y="527788"/>
-            <a:ext cx="248708" cy="0"/>
-          </a:xfrm>
-          <a:prstGeom prst="line">
-            <a:avLst/>
-          </a:prstGeom>
-          <a:ln w="19050">
-            <a:solidFill>
-              <a:srgbClr val="B35723"/>
-            </a:solidFill>
-            <a:headEnd type="none" w="med" len="med"/>
-            <a:tailEnd type="none" w="med" len="med"/>
-          </a:ln>
-        </p:spPr>
-        <p:style>
-          <a:lnRef idx="1">
-            <a:schemeClr val="accent2"/>
-          </a:lnRef>
-          <a:fillRef idx="0">
-            <a:schemeClr val="accent2"/>
-          </a:fillRef>
-          <a:effectRef idx="0">
-            <a:schemeClr val="accent2"/>
-          </a:effectRef>
-          <a:fontRef idx="minor">
-            <a:schemeClr val="tx1"/>
-          </a:fontRef>
-        </p:style>
-      </p:cxnSp>
-      <p:cxnSp>
-        <p:nvCxnSpPr>
-          <p:cNvPr id="30" name="Straight Connector 29">
-            <a:extLst>
-              <a:ext uri="{FF2B5EF4-FFF2-40B4-BE49-F238E27FC236}">
-                <a16:creationId xmlns:a16="http://schemas.microsoft.com/office/drawing/2014/main" id="{7668C049-F4F2-5DAA-FF33-DBD02ECCFEF1}"/>
-              </a:ext>
-            </a:extLst>
-          </p:cNvPr>
-          <p:cNvCxnSpPr>
-            <a:cxnSpLocks/>
-          </p:cNvCxnSpPr>
-          <p:nvPr/>
-        </p:nvCxnSpPr>
-        <p:spPr>
-          <a:xfrm flipH="1">
-            <a:off x="2098623" y="527788"/>
-            <a:ext cx="140071" cy="0"/>
-          </a:xfrm>
-          <a:prstGeom prst="line">
-            <a:avLst/>
-          </a:prstGeom>
-          <a:ln w="19050">
-            <a:solidFill>
-              <a:srgbClr val="B35723"/>
-            </a:solidFill>
-            <a:headEnd type="none" w="med" len="med"/>
-            <a:tailEnd type="triangle" w="med" len="med"/>
-          </a:ln>
-        </p:spPr>
-        <p:style>
-          <a:lnRef idx="1">
-            <a:schemeClr val="accent2"/>
-          </a:lnRef>
-          <a:fillRef idx="0">
-            <a:schemeClr val="accent2"/>
-          </a:fillRef>
-          <a:effectRef idx="0">
-            <a:schemeClr val="accent2"/>
-          </a:effectRef>
-          <a:fontRef idx="minor">
-            <a:schemeClr val="tx1"/>
-          </a:fontRef>
-        </p:style>
-      </p:cxnSp>
-      <p:cxnSp>
-        <p:nvCxnSpPr>
-          <p:cNvPr id="32" name="Straight Connector 31">
-            <a:extLst>
-              <a:ext uri="{FF2B5EF4-FFF2-40B4-BE49-F238E27FC236}">
-                <a16:creationId xmlns:a16="http://schemas.microsoft.com/office/drawing/2014/main" id="{AF38A45C-E5E0-5E9E-0E12-4559834424D3}"/>
-              </a:ext>
-            </a:extLst>
-          </p:cNvPr>
-          <p:cNvCxnSpPr>
-            <a:cxnSpLocks/>
-          </p:cNvCxnSpPr>
-          <p:nvPr/>
-        </p:nvCxnSpPr>
-        <p:spPr>
-          <a:xfrm flipH="1">
-            <a:off x="2098623" y="1017354"/>
-            <a:ext cx="140071" cy="0"/>
-          </a:xfrm>
-          <a:prstGeom prst="line">
-            <a:avLst/>
-          </a:prstGeom>
-          <a:ln w="19050">
-            <a:headEnd type="triangle" w="med" len="med"/>
-            <a:tailEnd type="none" w="med" len="med"/>
-          </a:ln>
-        </p:spPr>
-        <p:style>
-          <a:lnRef idx="1">
-            <a:schemeClr val="dk1"/>
-          </a:lnRef>
-          <a:fillRef idx="0">
-            <a:schemeClr val="dk1"/>
-          </a:fillRef>
-          <a:effectRef idx="0">
-            <a:schemeClr val="dk1"/>
-          </a:effectRef>
-          <a:fontRef idx="minor">
-            <a:schemeClr val="tx1"/>
-          </a:fontRef>
-        </p:style>
-      </p:cxnSp>
-      <p:cxnSp>
-        <p:nvCxnSpPr>
-          <p:cNvPr id="33" name="Straight Connector 32">
-            <a:extLst>
-              <a:ext uri="{FF2B5EF4-FFF2-40B4-BE49-F238E27FC236}">
-                <a16:creationId xmlns:a16="http://schemas.microsoft.com/office/drawing/2014/main" id="{620CFA2B-4F2B-4DF9-A8BB-778AE7AA4C1F}"/>
-              </a:ext>
-            </a:extLst>
-          </p:cNvPr>
-          <p:cNvCxnSpPr>
-            <a:cxnSpLocks/>
-          </p:cNvCxnSpPr>
-          <p:nvPr/>
-        </p:nvCxnSpPr>
-        <p:spPr>
-          <a:xfrm flipH="1">
-            <a:off x="2098623" y="1521655"/>
-            <a:ext cx="140071" cy="0"/>
-          </a:xfrm>
-          <a:prstGeom prst="line">
-            <a:avLst/>
-          </a:prstGeom>
-          <a:ln w="19050">
-            <a:headEnd type="triangle" w="med" len="med"/>
-            <a:tailEnd type="none" w="med" len="med"/>
-          </a:ln>
-        </p:spPr>
-        <p:style>
-          <a:lnRef idx="1">
-            <a:schemeClr val="dk1"/>
-          </a:lnRef>
-          <a:fillRef idx="0">
-            <a:schemeClr val="dk1"/>
-          </a:fillRef>
-          <a:effectRef idx="0">
-            <a:schemeClr val="dk1"/>
-          </a:effectRef>
-          <a:fontRef idx="minor">
-            <a:schemeClr val="tx1"/>
-          </a:fontRef>
-        </p:style>
-      </p:cxnSp>
-      <p:cxnSp>
-        <p:nvCxnSpPr>
-          <p:cNvPr id="34" name="Straight Connector 33">
-            <a:extLst>
-              <a:ext uri="{FF2B5EF4-FFF2-40B4-BE49-F238E27FC236}">
-                <a16:creationId xmlns:a16="http://schemas.microsoft.com/office/drawing/2014/main" id="{4E7DCFB9-40A6-0F81-5E0D-41A316897FC1}"/>
-              </a:ext>
-            </a:extLst>
-          </p:cNvPr>
-          <p:cNvCxnSpPr>
-            <a:cxnSpLocks/>
-          </p:cNvCxnSpPr>
-          <p:nvPr/>
-        </p:nvCxnSpPr>
-        <p:spPr>
-          <a:xfrm flipH="1">
-            <a:off x="2098623" y="2029906"/>
-            <a:ext cx="140071" cy="0"/>
-          </a:xfrm>
-          <a:prstGeom prst="line">
-            <a:avLst/>
-          </a:prstGeom>
-          <a:ln w="19050">
-            <a:headEnd type="triangle" w="med" len="med"/>
-            <a:tailEnd type="none" w="med" len="med"/>
-          </a:ln>
-        </p:spPr>
-        <p:style>
-          <a:lnRef idx="1">
-            <a:schemeClr val="dk1"/>
-          </a:lnRef>
-          <a:fillRef idx="0">
-            <a:schemeClr val="dk1"/>
-          </a:fillRef>
-          <a:effectRef idx="0">
-            <a:schemeClr val="dk1"/>
-          </a:effectRef>
-          <a:fontRef idx="minor">
-            <a:schemeClr val="tx1"/>
-          </a:fontRef>
-        </p:style>
-      </p:cxnSp>
-      <p:sp>
-        <p:nvSpPr>
-          <p:cNvPr id="39" name="TextBox 38">
-            <a:extLst>
-              <a:ext uri="{FF2B5EF4-FFF2-40B4-BE49-F238E27FC236}">
-                <a16:creationId xmlns:a16="http://schemas.microsoft.com/office/drawing/2014/main" id="{01B8BC91-1E89-327E-46D6-1CF8971307DE}"/>
-              </a:ext>
-            </a:extLst>
-          </p:cNvPr>
-          <p:cNvSpPr txBox="1"/>
-          <p:nvPr/>
-        </p:nvSpPr>
-        <p:spPr>
-          <a:xfrm>
-            <a:off x="2535997" y="151538"/>
-            <a:ext cx="508473" cy="369332"/>
-          </a:xfrm>
-          <a:prstGeom prst="rect">
-            <a:avLst/>
-          </a:prstGeom>
-          <a:noFill/>
-        </p:spPr>
-        <p:txBody>
-          <a:bodyPr wrap="none" rtlCol="0">
-            <a:spAutoFit/>
-          </a:bodyPr>
-          <a:lstStyle/>
-          <a:p>
-            <a:pPr algn="ctr"/>
-            <a:r>
-              <a:rPr lang="en-US" sz="900" b="1" dirty="0">
-                <a:solidFill>
-                  <a:srgbClr val="B35723"/>
-                </a:solidFill>
-              </a:rPr>
-              <a:t>Source</a:t>
-            </a:r>
-            <a:br>
-              <a:rPr lang="en-US" sz="900" b="1" dirty="0">
-                <a:solidFill>
-                  <a:srgbClr val="B35723"/>
-                </a:solidFill>
-              </a:rPr>
-            </a:br>
-            <a:r>
-              <a:rPr lang="en-US" sz="900" b="1" dirty="0">
-                <a:solidFill>
-                  <a:srgbClr val="B35723"/>
-                </a:solidFill>
-              </a:rPr>
-              <a:t>Bldg.</a:t>
-            </a:r>
-          </a:p>
-        </p:txBody>
-      </p:sp>
-      <p:pic>
-        <p:nvPicPr>
-          <p:cNvPr id="67" name="Picture 66">
-            <a:extLst>
-              <a:ext uri="{FF2B5EF4-FFF2-40B4-BE49-F238E27FC236}">
-                <a16:creationId xmlns:a16="http://schemas.microsoft.com/office/drawing/2014/main" id="{ED2281E5-D6E2-7273-95BE-581623A44B96}"/>
-              </a:ext>
-            </a:extLst>
-          </p:cNvPr>
-          <p:cNvPicPr>
-            <a:picLocks noChangeAspect="1"/>
-          </p:cNvPicPr>
-          <p:nvPr/>
-        </p:nvPicPr>
-        <p:blipFill>
-          <a:blip r:embed="rId4"/>
-          <a:stretch>
-            <a:fillRect/>
-          </a:stretch>
-        </p:blipFill>
-        <p:spPr>
-          <a:xfrm>
-            <a:off x="2759455" y="3670062"/>
-            <a:ext cx="7772400" cy="2664160"/>
-          </a:xfrm>
-          <a:prstGeom prst="rect">
-            <a:avLst/>
-          </a:prstGeom>
-        </p:spPr>
-      </p:pic>
-    </p:spTree>
-    <p:extLst>
-      <p:ext uri="{BB962C8B-B14F-4D97-AF65-F5344CB8AC3E}">
-        <p14:creationId xmlns:p14="http://schemas.microsoft.com/office/powerpoint/2010/main" val="2867901525"/>
-      </p:ext>
-    </p:extLst>
-  </p:cSld>
-  <p:clrMapOvr>
-    <a:masterClrMapping/>
-  </p:clrMapOvr>
-</p:sld>
-</file>
-
-<file path=ppt/slides/slide4.xml><?xml version="1.0" encoding="utf-8"?>
-<p:sld xmlns:a="http://schemas.openxmlformats.org/drawingml/2006/main" xmlns:r="http://schemas.openxmlformats.org/officeDocument/2006/relationships" xmlns:p="http://schemas.openxmlformats.org/presentationml/2006/main">
-  <p:cSld>
-    <p:spTree>
-      <p:nvGrpSpPr>
-        <p:cNvPr id="1" name=""/>
-        <p:cNvGrpSpPr/>
-        <p:nvPr/>
-      </p:nvGrpSpPr>
-      <p:grpSpPr>
-        <a:xfrm>
-          <a:off x="0" y="0"/>
-          <a:ext cx="0" cy="0"/>
-          <a:chOff x="0" y="0"/>
-          <a:chExt cx="0" cy="0"/>
-        </a:xfrm>
-      </p:grpSpPr>
-      <p:sp>
-        <p:nvSpPr>
-          <p:cNvPr id="128" name="TextBox 127">
-            <a:extLst>
-              <a:ext uri="{FF2B5EF4-FFF2-40B4-BE49-F238E27FC236}">
-                <a16:creationId xmlns:a16="http://schemas.microsoft.com/office/drawing/2014/main" id="{70AACED2-E25C-6531-19EF-197B0E165C1D}"/>
-              </a:ext>
-            </a:extLst>
-          </p:cNvPr>
-          <p:cNvSpPr txBox="1"/>
-          <p:nvPr/>
-        </p:nvSpPr>
-        <p:spPr>
-          <a:xfrm>
-            <a:off x="7415561" y="-624468"/>
-            <a:ext cx="184731" cy="369332"/>
-          </a:xfrm>
-          <a:prstGeom prst="rect">
-            <a:avLst/>
-          </a:prstGeom>
-          <a:noFill/>
-        </p:spPr>
-        <p:txBody>
-          <a:bodyPr wrap="none" rtlCol="0">
-            <a:spAutoFit/>
-          </a:bodyPr>
-          <a:lstStyle/>
-          <a:p>
-            <a:endParaRPr lang="en-US" dirty="0"/>
-          </a:p>
-        </p:txBody>
-      </p:sp>
-      <p:pic>
-        <p:nvPicPr>
-          <p:cNvPr id="82" name="Picture 81" descr="Shape&#10;&#10;Description automatically generated with low confidence">
-            <a:extLst>
-              <a:ext uri="{FF2B5EF4-FFF2-40B4-BE49-F238E27FC236}">
-                <a16:creationId xmlns:a16="http://schemas.microsoft.com/office/drawing/2014/main" id="{127D265E-7A0E-4364-A23F-BC9DB3D103C2}"/>
-              </a:ext>
-            </a:extLst>
-          </p:cNvPr>
-          <p:cNvPicPr>
-            <a:picLocks noChangeAspect="1"/>
-          </p:cNvPicPr>
-          <p:nvPr/>
-        </p:nvPicPr>
-        <p:blipFill>
-          <a:blip r:embed="rId2">
-            <a:duotone>
-              <a:schemeClr val="accent2">
-                <a:shade val="45000"/>
-                <a:satMod val="135000"/>
-              </a:schemeClr>
-              <a:prstClr val="white"/>
-            </a:duotone>
-          </a:blip>
-          <a:stretch>
-            <a:fillRect/>
-          </a:stretch>
-        </p:blipFill>
-        <p:spPr>
-          <a:xfrm>
-            <a:off x="2223704" y="538628"/>
-            <a:ext cx="438035" cy="438035"/>
-          </a:xfrm>
-          <a:prstGeom prst="rect">
-            <a:avLst/>
-          </a:prstGeom>
-        </p:spPr>
-      </p:pic>
-      <p:grpSp>
-        <p:nvGrpSpPr>
-          <p:cNvPr id="12" name="Group 11">
-            <a:extLst>
-              <a:ext uri="{FF2B5EF4-FFF2-40B4-BE49-F238E27FC236}">
-                <a16:creationId xmlns:a16="http://schemas.microsoft.com/office/drawing/2014/main" id="{D544AB81-3C15-B8BA-E5F6-E03702C67C13}"/>
-              </a:ext>
-            </a:extLst>
-          </p:cNvPr>
-          <p:cNvGrpSpPr>
-            <a:grpSpLocks noChangeAspect="1"/>
-          </p:cNvGrpSpPr>
-          <p:nvPr/>
-        </p:nvGrpSpPr>
-        <p:grpSpPr>
-          <a:xfrm>
-            <a:off x="2229686" y="59037"/>
             <a:ext cx="438035" cy="438035"/>
             <a:chOff x="4076118" y="-75195"/>
             <a:chExt cx="995854" cy="995854"/>
@@ -9540,17 +8966,13 @@
         </p:nvCxnSpPr>
         <p:spPr>
           <a:xfrm>
-            <a:off x="2098623" y="376719"/>
+            <a:off x="2098623" y="527788"/>
             <a:ext cx="0" cy="1502118"/>
           </a:xfrm>
           <a:prstGeom prst="line">
             <a:avLst/>
           </a:prstGeom>
-          <a:ln w="19050">
-            <a:solidFill>
-              <a:srgbClr val="B35723"/>
-            </a:solidFill>
-          </a:ln>
+          <a:ln w="19050"/>
         </p:spPr>
         <p:style>
           <a:lnRef idx="1">
@@ -9583,7 +9005,7 @@
         </p:nvCxnSpPr>
         <p:spPr>
           <a:xfrm flipH="1">
-            <a:off x="2635395" y="376719"/>
+            <a:off x="2635395" y="527788"/>
             <a:ext cx="248708" cy="0"/>
           </a:xfrm>
           <a:prstGeom prst="line">
@@ -9591,7 +9013,7 @@
           </a:prstGeom>
           <a:ln w="19050">
             <a:solidFill>
-              <a:schemeClr val="tx1"/>
+              <a:srgbClr val="B35723"/>
             </a:solidFill>
             <a:headEnd type="none" w="med" len="med"/>
             <a:tailEnd type="none" w="med" len="med"/>
@@ -9628,7 +9050,7 @@
         </p:nvCxnSpPr>
         <p:spPr>
           <a:xfrm flipH="1">
-            <a:off x="2098623" y="376719"/>
+            <a:off x="2098623" y="527788"/>
             <a:ext cx="140071" cy="0"/>
           </a:xfrm>
           <a:prstGeom prst="line">
@@ -9636,10 +9058,10 @@
           </a:prstGeom>
           <a:ln w="19050">
             <a:solidFill>
-              <a:schemeClr val="tx1"/>
+              <a:srgbClr val="B35723"/>
             </a:solidFill>
-            <a:headEnd type="triangle" w="med" len="med"/>
-            <a:tailEnd type="none" w="med" len="med"/>
+            <a:headEnd type="none" w="med" len="med"/>
+            <a:tailEnd type="triangle" w="med" len="med"/>
           </a:ln>
         </p:spPr>
         <p:style>
@@ -9673,18 +9095,15 @@
         </p:nvCxnSpPr>
         <p:spPr>
           <a:xfrm flipH="1">
-            <a:off x="2098623" y="866285"/>
+            <a:off x="2098623" y="1017354"/>
             <a:ext cx="140071" cy="0"/>
           </a:xfrm>
           <a:prstGeom prst="line">
             <a:avLst/>
           </a:prstGeom>
           <a:ln w="19050">
-            <a:solidFill>
-              <a:srgbClr val="B35723"/>
-            </a:solidFill>
-            <a:headEnd type="none" w="med" len="med"/>
-            <a:tailEnd type="triangle" w="med" len="med"/>
+            <a:headEnd type="triangle" w="med" len="med"/>
+            <a:tailEnd type="none" w="med" len="med"/>
           </a:ln>
         </p:spPr>
         <p:style>
@@ -9718,18 +9137,15 @@
         </p:nvCxnSpPr>
         <p:spPr>
           <a:xfrm flipH="1">
-            <a:off x="2098623" y="1370586"/>
+            <a:off x="2098623" y="1521655"/>
             <a:ext cx="140071" cy="0"/>
           </a:xfrm>
           <a:prstGeom prst="line">
             <a:avLst/>
           </a:prstGeom>
           <a:ln w="19050">
-            <a:solidFill>
-              <a:srgbClr val="B35723"/>
-            </a:solidFill>
-            <a:headEnd type="none" w="med" len="med"/>
-            <a:tailEnd type="triangle" w="med" len="med"/>
+            <a:headEnd type="triangle" w="med" len="med"/>
+            <a:tailEnd type="none" w="med" len="med"/>
           </a:ln>
         </p:spPr>
         <p:style>
@@ -9763,18 +9179,15 @@
         </p:nvCxnSpPr>
         <p:spPr>
           <a:xfrm flipH="1">
-            <a:off x="2098623" y="1878837"/>
+            <a:off x="2098623" y="2029906"/>
             <a:ext cx="140071" cy="0"/>
           </a:xfrm>
           <a:prstGeom prst="line">
             <a:avLst/>
           </a:prstGeom>
           <a:ln w="19050">
-            <a:solidFill>
-              <a:srgbClr val="B35723"/>
-            </a:solidFill>
-            <a:headEnd type="none" w="med" len="med"/>
-            <a:tailEnd type="triangle" w="med" len="med"/>
+            <a:headEnd type="triangle" w="med" len="med"/>
+            <a:tailEnd type="none" w="med" len="med"/>
           </a:ln>
         </p:spPr>
         <p:style>
@@ -9806,8 +9219,8 @@
         </p:nvSpPr>
         <p:spPr>
           <a:xfrm>
-            <a:off x="2543210" y="469"/>
-            <a:ext cx="494046" cy="369332"/>
+            <a:off x="2535997" y="151538"/>
+            <a:ext cx="508473" cy="369332"/>
           </a:xfrm>
           <a:prstGeom prst="rect">
             <a:avLst/>
@@ -9822,14 +9235,26 @@
           <a:p>
             <a:pPr algn="ctr"/>
             <a:r>
-              <a:rPr lang="en-US" sz="900" b="1" dirty="0"/>
-              <a:t>Target</a:t>
+              <a:rPr lang="en-US" sz="900" b="1" dirty="0">
+                <a:solidFill>
+                  <a:srgbClr val="B35723"/>
+                </a:solidFill>
+              </a:rPr>
+              <a:t>Source</a:t>
             </a:r>
             <a:br>
-              <a:rPr lang="en-US" sz="900" b="1" dirty="0"/>
+              <a:rPr lang="en-US" sz="900" b="1" dirty="0">
+                <a:solidFill>
+                  <a:srgbClr val="B35723"/>
+                </a:solidFill>
+              </a:rPr>
             </a:br>
             <a:r>
-              <a:rPr lang="en-US" sz="900" b="1" dirty="0"/>
+              <a:rPr lang="en-US" sz="900" b="1" dirty="0">
+                <a:solidFill>
+                  <a:srgbClr val="B35723"/>
+                </a:solidFill>
+              </a:rPr>
               <a:t>Bldg.</a:t>
             </a:r>
           </a:p>
@@ -9837,10 +9262,102 @@
       </p:sp>
       <p:pic>
         <p:nvPicPr>
-          <p:cNvPr id="7" name="Picture 6" descr="Shape&#10;&#10;Description automatically generated with low confidence">
-            <a:extLst>
-              <a:ext uri="{FF2B5EF4-FFF2-40B4-BE49-F238E27FC236}">
-                <a16:creationId xmlns:a16="http://schemas.microsoft.com/office/drawing/2014/main" id="{2524F525-A292-5EEA-776F-965E9ECFCB24}"/>
+          <p:cNvPr id="17" name="Picture 16">
+            <a:extLst>
+              <a:ext uri="{FF2B5EF4-FFF2-40B4-BE49-F238E27FC236}">
+                <a16:creationId xmlns:a16="http://schemas.microsoft.com/office/drawing/2014/main" id="{7DAC1D93-F00C-7464-9829-5B8C6B5A8A8F}"/>
+              </a:ext>
+            </a:extLst>
+          </p:cNvPr>
+          <p:cNvPicPr>
+            <a:picLocks noChangeAspect="1"/>
+          </p:cNvPicPr>
+          <p:nvPr/>
+        </p:nvPicPr>
+        <p:blipFill>
+          <a:blip r:embed="rId3"/>
+          <a:stretch>
+            <a:fillRect/>
+          </a:stretch>
+        </p:blipFill>
+        <p:spPr>
+          <a:xfrm>
+            <a:off x="2759455" y="257474"/>
+            <a:ext cx="7772400" cy="2811696"/>
+          </a:xfrm>
+          <a:prstGeom prst="rect">
+            <a:avLst/>
+          </a:prstGeom>
+        </p:spPr>
+      </p:pic>
+    </p:spTree>
+    <p:extLst>
+      <p:ext uri="{BB962C8B-B14F-4D97-AF65-F5344CB8AC3E}">
+        <p14:creationId xmlns:p14="http://schemas.microsoft.com/office/powerpoint/2010/main" val="2867901525"/>
+      </p:ext>
+    </p:extLst>
+  </p:cSld>
+  <p:clrMapOvr>
+    <a:masterClrMapping/>
+  </p:clrMapOvr>
+</p:sld>
+</file>
+
+<file path=ppt/slides/slide4.xml><?xml version="1.0" encoding="utf-8"?>
+<p:sld xmlns:a="http://schemas.openxmlformats.org/drawingml/2006/main" xmlns:r="http://schemas.openxmlformats.org/officeDocument/2006/relationships" xmlns:p="http://schemas.openxmlformats.org/presentationml/2006/main">
+  <p:cSld>
+    <p:spTree>
+      <p:nvGrpSpPr>
+        <p:cNvPr id="1" name=""/>
+        <p:cNvGrpSpPr/>
+        <p:nvPr/>
+      </p:nvGrpSpPr>
+      <p:grpSpPr>
+        <a:xfrm>
+          <a:off x="0" y="0"/>
+          <a:ext cx="0" cy="0"/>
+          <a:chOff x="0" y="0"/>
+          <a:chExt cx="0" cy="0"/>
+        </a:xfrm>
+      </p:grpSpPr>
+      <p:sp>
+        <p:nvSpPr>
+          <p:cNvPr id="128" name="TextBox 127">
+            <a:extLst>
+              <a:ext uri="{FF2B5EF4-FFF2-40B4-BE49-F238E27FC236}">
+                <a16:creationId xmlns:a16="http://schemas.microsoft.com/office/drawing/2014/main" id="{70AACED2-E25C-6531-19EF-197B0E165C1D}"/>
+              </a:ext>
+            </a:extLst>
+          </p:cNvPr>
+          <p:cNvSpPr txBox="1"/>
+          <p:nvPr/>
+        </p:nvSpPr>
+        <p:spPr>
+          <a:xfrm>
+            <a:off x="7415561" y="-624468"/>
+            <a:ext cx="184731" cy="369332"/>
+          </a:xfrm>
+          <a:prstGeom prst="rect">
+            <a:avLst/>
+          </a:prstGeom>
+          <a:noFill/>
+        </p:spPr>
+        <p:txBody>
+          <a:bodyPr wrap="none" rtlCol="0">
+            <a:spAutoFit/>
+          </a:bodyPr>
+          <a:lstStyle/>
+          <a:p>
+            <a:endParaRPr lang="en-US" dirty="0"/>
+          </a:p>
+        </p:txBody>
+      </p:sp>
+      <p:pic>
+        <p:nvPicPr>
+          <p:cNvPr id="82" name="Picture 81" descr="Shape&#10;&#10;Description automatically generated with low confidence">
+            <a:extLst>
+              <a:ext uri="{FF2B5EF4-FFF2-40B4-BE49-F238E27FC236}">
+                <a16:creationId xmlns:a16="http://schemas.microsoft.com/office/drawing/2014/main" id="{127D265E-7A0E-4364-A23F-BC9DB3D103C2}"/>
               </a:ext>
             </a:extLst>
           </p:cNvPr>
@@ -9865,7 +9382,7 @@
         </p:blipFill>
         <p:spPr>
           <a:xfrm>
-            <a:off x="2240365" y="1028193"/>
+            <a:off x="2223704" y="538628"/>
             <a:ext cx="438035" cy="438035"/>
           </a:xfrm>
           <a:prstGeom prst="rect">
@@ -9873,12 +9390,427 @@
           </a:prstGeom>
         </p:spPr>
       </p:pic>
+      <p:grpSp>
+        <p:nvGrpSpPr>
+          <p:cNvPr id="12" name="Group 11">
+            <a:extLst>
+              <a:ext uri="{FF2B5EF4-FFF2-40B4-BE49-F238E27FC236}">
+                <a16:creationId xmlns:a16="http://schemas.microsoft.com/office/drawing/2014/main" id="{D544AB81-3C15-B8BA-E5F6-E03702C67C13}"/>
+              </a:ext>
+            </a:extLst>
+          </p:cNvPr>
+          <p:cNvGrpSpPr>
+            <a:grpSpLocks noChangeAspect="1"/>
+          </p:cNvGrpSpPr>
+          <p:nvPr/>
+        </p:nvGrpSpPr>
+        <p:grpSpPr>
+          <a:xfrm>
+            <a:off x="2229686" y="59037"/>
+            <a:ext cx="438035" cy="438035"/>
+            <a:chOff x="4076118" y="-75195"/>
+            <a:chExt cx="995854" cy="995854"/>
+          </a:xfrm>
+        </p:grpSpPr>
+        <p:sp>
+          <p:nvSpPr>
+            <p:cNvPr id="15" name="Rectangle 14">
+              <a:extLst>
+                <a:ext uri="{FF2B5EF4-FFF2-40B4-BE49-F238E27FC236}">
+                  <a16:creationId xmlns:a16="http://schemas.microsoft.com/office/drawing/2014/main" id="{272633EB-4B33-8F8D-7727-54731A07AA08}"/>
+                </a:ext>
+              </a:extLst>
+            </p:cNvPr>
+            <p:cNvSpPr/>
+            <p:nvPr/>
+          </p:nvSpPr>
+          <p:spPr>
+            <a:xfrm>
+              <a:off x="4633937" y="580735"/>
+              <a:ext cx="235103" cy="164307"/>
+            </a:xfrm>
+            <a:prstGeom prst="rect">
+              <a:avLst/>
+            </a:prstGeom>
+            <a:solidFill>
+              <a:srgbClr val="00B050"/>
+            </a:solidFill>
+          </p:spPr>
+          <p:style>
+            <a:lnRef idx="2">
+              <a:schemeClr val="accent1">
+                <a:shade val="50000"/>
+              </a:schemeClr>
+            </a:lnRef>
+            <a:fillRef idx="1">
+              <a:schemeClr val="accent1"/>
+            </a:fillRef>
+            <a:effectRef idx="0">
+              <a:schemeClr val="accent1"/>
+            </a:effectRef>
+            <a:fontRef idx="minor">
+              <a:schemeClr val="lt1"/>
+            </a:fontRef>
+          </p:style>
+          <p:txBody>
+            <a:bodyPr rtlCol="0" anchor="ctr"/>
+            <a:lstStyle/>
+            <a:p>
+              <a:pPr algn="ctr"/>
+              <a:endParaRPr lang="en-US"/>
+            </a:p>
+          </p:txBody>
+        </p:sp>
+        <p:pic>
+          <p:nvPicPr>
+            <p:cNvPr id="16" name="Picture 15" descr="Shape&#10;&#10;Description automatically generated with low confidence">
+              <a:extLst>
+                <a:ext uri="{FF2B5EF4-FFF2-40B4-BE49-F238E27FC236}">
+                  <a16:creationId xmlns:a16="http://schemas.microsoft.com/office/drawing/2014/main" id="{CC2573E5-D086-DF88-3BE5-852E516ED536}"/>
+                </a:ext>
+              </a:extLst>
+            </p:cNvPr>
+            <p:cNvPicPr>
+              <a:picLocks noChangeAspect="1"/>
+            </p:cNvPicPr>
+            <p:nvPr/>
+          </p:nvPicPr>
+          <p:blipFill>
+            <a:blip r:embed="rId2">
+              <a:grayscl/>
+            </a:blip>
+            <a:stretch>
+              <a:fillRect/>
+            </a:stretch>
+          </p:blipFill>
+          <p:spPr>
+            <a:xfrm>
+              <a:off x="4076118" y="-75195"/>
+              <a:ext cx="995854" cy="995854"/>
+            </a:xfrm>
+            <a:prstGeom prst="rect">
+              <a:avLst/>
+            </a:prstGeom>
+          </p:spPr>
+        </p:pic>
+      </p:grpSp>
+      <p:cxnSp>
+        <p:nvCxnSpPr>
+          <p:cNvPr id="22" name="Straight Connector 21">
+            <a:extLst>
+              <a:ext uri="{FF2B5EF4-FFF2-40B4-BE49-F238E27FC236}">
+                <a16:creationId xmlns:a16="http://schemas.microsoft.com/office/drawing/2014/main" id="{E4971527-84E6-EA24-2AEF-9D91DE49D5D6}"/>
+              </a:ext>
+            </a:extLst>
+          </p:cNvPr>
+          <p:cNvCxnSpPr>
+            <a:cxnSpLocks/>
+          </p:cNvCxnSpPr>
+          <p:nvPr/>
+        </p:nvCxnSpPr>
+        <p:spPr>
+          <a:xfrm>
+            <a:off x="2098623" y="376719"/>
+            <a:ext cx="0" cy="1502118"/>
+          </a:xfrm>
+          <a:prstGeom prst="line">
+            <a:avLst/>
+          </a:prstGeom>
+          <a:ln w="19050">
+            <a:solidFill>
+              <a:srgbClr val="B35723"/>
+            </a:solidFill>
+          </a:ln>
+        </p:spPr>
+        <p:style>
+          <a:lnRef idx="1">
+            <a:schemeClr val="dk1"/>
+          </a:lnRef>
+          <a:fillRef idx="0">
+            <a:schemeClr val="dk1"/>
+          </a:fillRef>
+          <a:effectRef idx="0">
+            <a:schemeClr val="dk1"/>
+          </a:effectRef>
+          <a:fontRef idx="minor">
+            <a:schemeClr val="tx1"/>
+          </a:fontRef>
+        </p:style>
+      </p:cxnSp>
+      <p:cxnSp>
+        <p:nvCxnSpPr>
+          <p:cNvPr id="23" name="Straight Connector 22">
+            <a:extLst>
+              <a:ext uri="{FF2B5EF4-FFF2-40B4-BE49-F238E27FC236}">
+                <a16:creationId xmlns:a16="http://schemas.microsoft.com/office/drawing/2014/main" id="{42156929-EE93-A5AA-3FE9-1F9A2C974002}"/>
+              </a:ext>
+            </a:extLst>
+          </p:cNvPr>
+          <p:cNvCxnSpPr>
+            <a:cxnSpLocks/>
+          </p:cNvCxnSpPr>
+          <p:nvPr/>
+        </p:nvCxnSpPr>
+        <p:spPr>
+          <a:xfrm flipH="1">
+            <a:off x="2635395" y="376719"/>
+            <a:ext cx="248708" cy="0"/>
+          </a:xfrm>
+          <a:prstGeom prst="line">
+            <a:avLst/>
+          </a:prstGeom>
+          <a:ln w="19050">
+            <a:solidFill>
+              <a:schemeClr val="tx1"/>
+            </a:solidFill>
+            <a:headEnd type="none" w="med" len="med"/>
+            <a:tailEnd type="none" w="med" len="med"/>
+          </a:ln>
+        </p:spPr>
+        <p:style>
+          <a:lnRef idx="1">
+            <a:schemeClr val="accent2"/>
+          </a:lnRef>
+          <a:fillRef idx="0">
+            <a:schemeClr val="accent2"/>
+          </a:fillRef>
+          <a:effectRef idx="0">
+            <a:schemeClr val="accent2"/>
+          </a:effectRef>
+          <a:fontRef idx="minor">
+            <a:schemeClr val="tx1"/>
+          </a:fontRef>
+        </p:style>
+      </p:cxnSp>
+      <p:cxnSp>
+        <p:nvCxnSpPr>
+          <p:cNvPr id="30" name="Straight Connector 29">
+            <a:extLst>
+              <a:ext uri="{FF2B5EF4-FFF2-40B4-BE49-F238E27FC236}">
+                <a16:creationId xmlns:a16="http://schemas.microsoft.com/office/drawing/2014/main" id="{7668C049-F4F2-5DAA-FF33-DBD02ECCFEF1}"/>
+              </a:ext>
+            </a:extLst>
+          </p:cNvPr>
+          <p:cNvCxnSpPr>
+            <a:cxnSpLocks/>
+          </p:cNvCxnSpPr>
+          <p:nvPr/>
+        </p:nvCxnSpPr>
+        <p:spPr>
+          <a:xfrm flipH="1">
+            <a:off x="2098623" y="376719"/>
+            <a:ext cx="140071" cy="0"/>
+          </a:xfrm>
+          <a:prstGeom prst="line">
+            <a:avLst/>
+          </a:prstGeom>
+          <a:ln w="19050">
+            <a:solidFill>
+              <a:schemeClr val="tx1"/>
+            </a:solidFill>
+            <a:headEnd type="triangle" w="med" len="med"/>
+            <a:tailEnd type="none" w="med" len="med"/>
+          </a:ln>
+        </p:spPr>
+        <p:style>
+          <a:lnRef idx="1">
+            <a:schemeClr val="accent2"/>
+          </a:lnRef>
+          <a:fillRef idx="0">
+            <a:schemeClr val="accent2"/>
+          </a:fillRef>
+          <a:effectRef idx="0">
+            <a:schemeClr val="accent2"/>
+          </a:effectRef>
+          <a:fontRef idx="minor">
+            <a:schemeClr val="tx1"/>
+          </a:fontRef>
+        </p:style>
+      </p:cxnSp>
+      <p:cxnSp>
+        <p:nvCxnSpPr>
+          <p:cNvPr id="32" name="Straight Connector 31">
+            <a:extLst>
+              <a:ext uri="{FF2B5EF4-FFF2-40B4-BE49-F238E27FC236}">
+                <a16:creationId xmlns:a16="http://schemas.microsoft.com/office/drawing/2014/main" id="{AF38A45C-E5E0-5E9E-0E12-4559834424D3}"/>
+              </a:ext>
+            </a:extLst>
+          </p:cNvPr>
+          <p:cNvCxnSpPr>
+            <a:cxnSpLocks/>
+          </p:cNvCxnSpPr>
+          <p:nvPr/>
+        </p:nvCxnSpPr>
+        <p:spPr>
+          <a:xfrm flipH="1">
+            <a:off x="2098623" y="866285"/>
+            <a:ext cx="140071" cy="0"/>
+          </a:xfrm>
+          <a:prstGeom prst="line">
+            <a:avLst/>
+          </a:prstGeom>
+          <a:ln w="19050">
+            <a:solidFill>
+              <a:srgbClr val="B35723"/>
+            </a:solidFill>
+            <a:headEnd type="none" w="med" len="med"/>
+            <a:tailEnd type="triangle" w="med" len="med"/>
+          </a:ln>
+        </p:spPr>
+        <p:style>
+          <a:lnRef idx="1">
+            <a:schemeClr val="dk1"/>
+          </a:lnRef>
+          <a:fillRef idx="0">
+            <a:schemeClr val="dk1"/>
+          </a:fillRef>
+          <a:effectRef idx="0">
+            <a:schemeClr val="dk1"/>
+          </a:effectRef>
+          <a:fontRef idx="minor">
+            <a:schemeClr val="tx1"/>
+          </a:fontRef>
+        </p:style>
+      </p:cxnSp>
+      <p:cxnSp>
+        <p:nvCxnSpPr>
+          <p:cNvPr id="33" name="Straight Connector 32">
+            <a:extLst>
+              <a:ext uri="{FF2B5EF4-FFF2-40B4-BE49-F238E27FC236}">
+                <a16:creationId xmlns:a16="http://schemas.microsoft.com/office/drawing/2014/main" id="{620CFA2B-4F2B-4DF9-A8BB-778AE7AA4C1F}"/>
+              </a:ext>
+            </a:extLst>
+          </p:cNvPr>
+          <p:cNvCxnSpPr>
+            <a:cxnSpLocks/>
+          </p:cNvCxnSpPr>
+          <p:nvPr/>
+        </p:nvCxnSpPr>
+        <p:spPr>
+          <a:xfrm flipH="1">
+            <a:off x="2098623" y="1370586"/>
+            <a:ext cx="140071" cy="0"/>
+          </a:xfrm>
+          <a:prstGeom prst="line">
+            <a:avLst/>
+          </a:prstGeom>
+          <a:ln w="19050">
+            <a:solidFill>
+              <a:srgbClr val="B35723"/>
+            </a:solidFill>
+            <a:headEnd type="none" w="med" len="med"/>
+            <a:tailEnd type="triangle" w="med" len="med"/>
+          </a:ln>
+        </p:spPr>
+        <p:style>
+          <a:lnRef idx="1">
+            <a:schemeClr val="dk1"/>
+          </a:lnRef>
+          <a:fillRef idx="0">
+            <a:schemeClr val="dk1"/>
+          </a:fillRef>
+          <a:effectRef idx="0">
+            <a:schemeClr val="dk1"/>
+          </a:effectRef>
+          <a:fontRef idx="minor">
+            <a:schemeClr val="tx1"/>
+          </a:fontRef>
+        </p:style>
+      </p:cxnSp>
+      <p:cxnSp>
+        <p:nvCxnSpPr>
+          <p:cNvPr id="34" name="Straight Connector 33">
+            <a:extLst>
+              <a:ext uri="{FF2B5EF4-FFF2-40B4-BE49-F238E27FC236}">
+                <a16:creationId xmlns:a16="http://schemas.microsoft.com/office/drawing/2014/main" id="{4E7DCFB9-40A6-0F81-5E0D-41A316897FC1}"/>
+              </a:ext>
+            </a:extLst>
+          </p:cNvPr>
+          <p:cNvCxnSpPr>
+            <a:cxnSpLocks/>
+          </p:cNvCxnSpPr>
+          <p:nvPr/>
+        </p:nvCxnSpPr>
+        <p:spPr>
+          <a:xfrm flipH="1">
+            <a:off x="2098623" y="1878837"/>
+            <a:ext cx="140071" cy="0"/>
+          </a:xfrm>
+          <a:prstGeom prst="line">
+            <a:avLst/>
+          </a:prstGeom>
+          <a:ln w="19050">
+            <a:solidFill>
+              <a:srgbClr val="B35723"/>
+            </a:solidFill>
+            <a:headEnd type="none" w="med" len="med"/>
+            <a:tailEnd type="triangle" w="med" len="med"/>
+          </a:ln>
+        </p:spPr>
+        <p:style>
+          <a:lnRef idx="1">
+            <a:schemeClr val="dk1"/>
+          </a:lnRef>
+          <a:fillRef idx="0">
+            <a:schemeClr val="dk1"/>
+          </a:fillRef>
+          <a:effectRef idx="0">
+            <a:schemeClr val="dk1"/>
+          </a:effectRef>
+          <a:fontRef idx="minor">
+            <a:schemeClr val="tx1"/>
+          </a:fontRef>
+        </p:style>
+      </p:cxnSp>
+      <p:sp>
+        <p:nvSpPr>
+          <p:cNvPr id="39" name="TextBox 38">
+            <a:extLst>
+              <a:ext uri="{FF2B5EF4-FFF2-40B4-BE49-F238E27FC236}">
+                <a16:creationId xmlns:a16="http://schemas.microsoft.com/office/drawing/2014/main" id="{01B8BC91-1E89-327E-46D6-1CF8971307DE}"/>
+              </a:ext>
+            </a:extLst>
+          </p:cNvPr>
+          <p:cNvSpPr txBox="1"/>
+          <p:nvPr/>
+        </p:nvSpPr>
+        <p:spPr>
+          <a:xfrm>
+            <a:off x="2543210" y="469"/>
+            <a:ext cx="494046" cy="369332"/>
+          </a:xfrm>
+          <a:prstGeom prst="rect">
+            <a:avLst/>
+          </a:prstGeom>
+          <a:noFill/>
+        </p:spPr>
+        <p:txBody>
+          <a:bodyPr wrap="none" rtlCol="0">
+            <a:spAutoFit/>
+          </a:bodyPr>
+          <a:lstStyle/>
+          <a:p>
+            <a:pPr algn="ctr"/>
+            <a:r>
+              <a:rPr lang="en-US" sz="900" b="1" dirty="0"/>
+              <a:t>Target</a:t>
+            </a:r>
+            <a:br>
+              <a:rPr lang="en-US" sz="900" b="1" dirty="0"/>
+            </a:br>
+            <a:r>
+              <a:rPr lang="en-US" sz="900" b="1" dirty="0"/>
+              <a:t>Bldg.</a:t>
+            </a:r>
+          </a:p>
+        </p:txBody>
+      </p:sp>
       <p:pic>
         <p:nvPicPr>
-          <p:cNvPr id="8" name="Picture 7" descr="Shape&#10;&#10;Description automatically generated with low confidence">
-            <a:extLst>
-              <a:ext uri="{FF2B5EF4-FFF2-40B4-BE49-F238E27FC236}">
-                <a16:creationId xmlns:a16="http://schemas.microsoft.com/office/drawing/2014/main" id="{6419243A-D2C6-2983-DC34-88A74D5F5FFF}"/>
+          <p:cNvPr id="7" name="Picture 6" descr="Shape&#10;&#10;Description automatically generated with low confidence">
+            <a:extLst>
+              <a:ext uri="{FF2B5EF4-FFF2-40B4-BE49-F238E27FC236}">
+                <a16:creationId xmlns:a16="http://schemas.microsoft.com/office/drawing/2014/main" id="{2524F525-A292-5EEA-776F-965E9ECFCB24}"/>
               </a:ext>
             </a:extLst>
           </p:cNvPr>
@@ -9903,7 +9835,7 @@
         </p:blipFill>
         <p:spPr>
           <a:xfrm>
-            <a:off x="2230727" y="1545492"/>
+            <a:off x="2240365" y="1028193"/>
             <a:ext cx="438035" cy="438035"/>
           </a:xfrm>
           <a:prstGeom prst="rect">
@@ -9913,10 +9845,48 @@
       </p:pic>
       <p:pic>
         <p:nvPicPr>
-          <p:cNvPr id="37" name="Picture 36">
-            <a:extLst>
-              <a:ext uri="{FF2B5EF4-FFF2-40B4-BE49-F238E27FC236}">
-                <a16:creationId xmlns:a16="http://schemas.microsoft.com/office/drawing/2014/main" id="{09983D9D-251F-1AB4-98B1-96D261D51FFC}"/>
+          <p:cNvPr id="8" name="Picture 7" descr="Shape&#10;&#10;Description automatically generated with low confidence">
+            <a:extLst>
+              <a:ext uri="{FF2B5EF4-FFF2-40B4-BE49-F238E27FC236}">
+                <a16:creationId xmlns:a16="http://schemas.microsoft.com/office/drawing/2014/main" id="{6419243A-D2C6-2983-DC34-88A74D5F5FFF}"/>
+              </a:ext>
+            </a:extLst>
+          </p:cNvPr>
+          <p:cNvPicPr>
+            <a:picLocks noChangeAspect="1"/>
+          </p:cNvPicPr>
+          <p:nvPr/>
+        </p:nvPicPr>
+        <p:blipFill>
+          <a:blip r:embed="rId2">
+            <a:duotone>
+              <a:schemeClr val="accent2">
+                <a:shade val="45000"/>
+                <a:satMod val="135000"/>
+              </a:schemeClr>
+              <a:prstClr val="white"/>
+            </a:duotone>
+          </a:blip>
+          <a:stretch>
+            <a:fillRect/>
+          </a:stretch>
+        </p:blipFill>
+        <p:spPr>
+          <a:xfrm>
+            <a:off x="2230727" y="1545492"/>
+            <a:ext cx="438035" cy="438035"/>
+          </a:xfrm>
+          <a:prstGeom prst="rect">
+            <a:avLst/>
+          </a:prstGeom>
+        </p:spPr>
+      </p:pic>
+      <p:pic>
+        <p:nvPicPr>
+          <p:cNvPr id="5" name="Picture 4">
+            <a:extLst>
+              <a:ext uri="{FF2B5EF4-FFF2-40B4-BE49-F238E27FC236}">
+                <a16:creationId xmlns:a16="http://schemas.microsoft.com/office/drawing/2014/main" id="{A0927CDF-5B95-A2C1-4D20-D2B9493A7DC0}"/>
               </a:ext>
             </a:extLst>
           </p:cNvPr>
@@ -9933,38 +9903,8 @@
         </p:blipFill>
         <p:spPr>
           <a:xfrm>
-            <a:off x="2780737" y="51086"/>
+            <a:off x="2787949" y="55258"/>
             <a:ext cx="7772400" cy="2743200"/>
-          </a:xfrm>
-          <a:prstGeom prst="rect">
-            <a:avLst/>
-          </a:prstGeom>
-        </p:spPr>
-      </p:pic>
-      <p:pic>
-        <p:nvPicPr>
-          <p:cNvPr id="40" name="Picture 39">
-            <a:extLst>
-              <a:ext uri="{FF2B5EF4-FFF2-40B4-BE49-F238E27FC236}">
-                <a16:creationId xmlns:a16="http://schemas.microsoft.com/office/drawing/2014/main" id="{24EACC54-1811-9463-77E6-31AA13E1FCD4}"/>
-              </a:ext>
-            </a:extLst>
-          </p:cNvPr>
-          <p:cNvPicPr>
-            <a:picLocks noChangeAspect="1"/>
-          </p:cNvPicPr>
-          <p:nvPr/>
-        </p:nvPicPr>
-        <p:blipFill>
-          <a:blip r:embed="rId4"/>
-          <a:stretch>
-            <a:fillRect/>
-          </a:stretch>
-        </p:blipFill>
-        <p:spPr>
-          <a:xfrm>
-            <a:off x="2168658" y="3602206"/>
-            <a:ext cx="7772400" cy="2544535"/>
           </a:xfrm>
           <a:prstGeom prst="rect">
             <a:avLst/>
